--- a/txt pdf/비공식 ui 설계서.pptx
+++ b/txt pdf/비공식 ui 설계서.pptx
@@ -9,7 +9,8 @@
     <p:sldId id="257" r:id="rId3"/>
     <p:sldId id="258" r:id="rId4"/>
     <p:sldId id="259" r:id="rId5"/>
-    <p:sldId id="260" r:id="rId6"/>
+    <p:sldId id="261" r:id="rId6"/>
+    <p:sldId id="260" r:id="rId7"/>
   </p:sldIdLst>
   <p:sldSz cx="12192000" cy="6858000"/>
   <p:notesSz cx="6858000" cy="9144000"/>
@@ -108,6 +109,11 @@
       </a:defRPr>
     </a:lvl9pPr>
   </p:defaultTextStyle>
+  <p:extLst>
+    <p:ext uri="{EFAFB233-063F-42B5-8137-9DF3F51BA10A}">
+      <p15:sldGuideLst xmlns:p15="http://schemas.microsoft.com/office/powerpoint/2012/main"/>
+    </p:ext>
+  </p:extLst>
 </p:presentation>
 </file>
 
@@ -242,7 +248,7 @@
           <a:p>
             <a:fld id="{2C563301-77A4-4ED5-AB92-19325C6E3180}" type="datetimeFigureOut">
               <a:rPr lang="ko-KR" altLang="en-US" smtClean="0"/>
-              <a:t>2022-12-29</a:t>
+              <a:t>2022-12-30</a:t>
             </a:fld>
             <a:endParaRPr lang="ko-KR" altLang="en-US"/>
           </a:p>
@@ -412,7 +418,7 @@
           <a:p>
             <a:fld id="{2C563301-77A4-4ED5-AB92-19325C6E3180}" type="datetimeFigureOut">
               <a:rPr lang="ko-KR" altLang="en-US" smtClean="0"/>
-              <a:t>2022-12-29</a:t>
+              <a:t>2022-12-30</a:t>
             </a:fld>
             <a:endParaRPr lang="ko-KR" altLang="en-US"/>
           </a:p>
@@ -592,7 +598,7 @@
           <a:p>
             <a:fld id="{2C563301-77A4-4ED5-AB92-19325C6E3180}" type="datetimeFigureOut">
               <a:rPr lang="ko-KR" altLang="en-US" smtClean="0"/>
-              <a:t>2022-12-29</a:t>
+              <a:t>2022-12-30</a:t>
             </a:fld>
             <a:endParaRPr lang="ko-KR" altLang="en-US"/>
           </a:p>
@@ -762,7 +768,7 @@
           <a:p>
             <a:fld id="{2C563301-77A4-4ED5-AB92-19325C6E3180}" type="datetimeFigureOut">
               <a:rPr lang="ko-KR" altLang="en-US" smtClean="0"/>
-              <a:t>2022-12-29</a:t>
+              <a:t>2022-12-30</a:t>
             </a:fld>
             <a:endParaRPr lang="ko-KR" altLang="en-US"/>
           </a:p>
@@ -1008,7 +1014,7 @@
           <a:p>
             <a:fld id="{2C563301-77A4-4ED5-AB92-19325C6E3180}" type="datetimeFigureOut">
               <a:rPr lang="ko-KR" altLang="en-US" smtClean="0"/>
-              <a:t>2022-12-29</a:t>
+              <a:t>2022-12-30</a:t>
             </a:fld>
             <a:endParaRPr lang="ko-KR" altLang="en-US"/>
           </a:p>
@@ -1240,7 +1246,7 @@
           <a:p>
             <a:fld id="{2C563301-77A4-4ED5-AB92-19325C6E3180}" type="datetimeFigureOut">
               <a:rPr lang="ko-KR" altLang="en-US" smtClean="0"/>
-              <a:t>2022-12-29</a:t>
+              <a:t>2022-12-30</a:t>
             </a:fld>
             <a:endParaRPr lang="ko-KR" altLang="en-US"/>
           </a:p>
@@ -1607,7 +1613,7 @@
           <a:p>
             <a:fld id="{2C563301-77A4-4ED5-AB92-19325C6E3180}" type="datetimeFigureOut">
               <a:rPr lang="ko-KR" altLang="en-US" smtClean="0"/>
-              <a:t>2022-12-29</a:t>
+              <a:t>2022-12-30</a:t>
             </a:fld>
             <a:endParaRPr lang="ko-KR" altLang="en-US"/>
           </a:p>
@@ -1725,7 +1731,7 @@
           <a:p>
             <a:fld id="{2C563301-77A4-4ED5-AB92-19325C6E3180}" type="datetimeFigureOut">
               <a:rPr lang="ko-KR" altLang="en-US" smtClean="0"/>
-              <a:t>2022-12-29</a:t>
+              <a:t>2022-12-30</a:t>
             </a:fld>
             <a:endParaRPr lang="ko-KR" altLang="en-US"/>
           </a:p>
@@ -1820,7 +1826,7 @@
           <a:p>
             <a:fld id="{2C563301-77A4-4ED5-AB92-19325C6E3180}" type="datetimeFigureOut">
               <a:rPr lang="ko-KR" altLang="en-US" smtClean="0"/>
-              <a:t>2022-12-29</a:t>
+              <a:t>2022-12-30</a:t>
             </a:fld>
             <a:endParaRPr lang="ko-KR" altLang="en-US"/>
           </a:p>
@@ -2097,7 +2103,7 @@
           <a:p>
             <a:fld id="{2C563301-77A4-4ED5-AB92-19325C6E3180}" type="datetimeFigureOut">
               <a:rPr lang="ko-KR" altLang="en-US" smtClean="0"/>
-              <a:t>2022-12-29</a:t>
+              <a:t>2022-12-30</a:t>
             </a:fld>
             <a:endParaRPr lang="ko-KR" altLang="en-US"/>
           </a:p>
@@ -2350,7 +2356,7 @@
           <a:p>
             <a:fld id="{2C563301-77A4-4ED5-AB92-19325C6E3180}" type="datetimeFigureOut">
               <a:rPr lang="ko-KR" altLang="en-US" smtClean="0"/>
-              <a:t>2022-12-29</a:t>
+              <a:t>2022-12-30</a:t>
             </a:fld>
             <a:endParaRPr lang="ko-KR" altLang="en-US"/>
           </a:p>
@@ -2563,7 +2569,7 @@
           <a:p>
             <a:fld id="{2C563301-77A4-4ED5-AB92-19325C6E3180}" type="datetimeFigureOut">
               <a:rPr lang="ko-KR" altLang="en-US" smtClean="0"/>
-              <a:t>2022-12-29</a:t>
+              <a:t>2022-12-30</a:t>
             </a:fld>
             <a:endParaRPr lang="ko-KR" altLang="en-US"/>
           </a:p>
@@ -4257,14 +4263,14 @@
           <p:nvPr>
             <p:extLst>
               <p:ext uri="{D42A27DB-BD31-4B8C-83A1-F6EECF244321}">
-                <p14:modId xmlns:p14="http://schemas.microsoft.com/office/powerpoint/2010/main" val="837824267"/>
+                <p14:modId xmlns:p14="http://schemas.microsoft.com/office/powerpoint/2010/main" val="278249381"/>
               </p:ext>
             </p:extLst>
           </p:nvPr>
         </p:nvGraphicFramePr>
         <p:xfrm>
-          <a:off x="473333" y="118335"/>
-          <a:ext cx="11230986" cy="6518752"/>
+          <a:off x="473333" y="118333"/>
+          <a:ext cx="11230986" cy="6529893"/>
         </p:xfrm>
         <a:graphic>
           <a:graphicData uri="http://schemas.openxmlformats.org/drawingml/2006/table">
@@ -4316,7 +4322,7 @@
                   </a:extLst>
                 </a:gridCol>
               </a:tblGrid>
-              <a:tr h="290456">
+              <a:tr h="305824">
                 <a:tc>
                   <a:txBody>
                     <a:bodyPr/>
@@ -4427,7 +4433,7 @@
                   </a:ext>
                 </a:extLst>
               </a:tr>
-              <a:tr h="223017">
+              <a:tr h="305824">
                 <a:tc>
                   <a:txBody>
                     <a:bodyPr/>
@@ -4524,7 +4530,7 @@
                   </a:ext>
                 </a:extLst>
               </a:tr>
-              <a:tr h="1733715">
+              <a:tr h="1773778">
                 <a:tc rowSpan="5" gridSpan="5">
                   <a:txBody>
                     <a:bodyPr/>
@@ -4652,15 +4658,7 @@
                       </a:pPr>
                       <a:r>
                         <a:rPr lang="en-US" altLang="ko-KR" sz="1000" dirty="0" smtClean="0"/>
-                        <a:t>My Page</a:t>
-                      </a:r>
-                      <a:r>
-                        <a:rPr lang="en-US" altLang="ko-KR" sz="1000" dirty="0" smtClean="0"/>
-                        <a:t>: </a:t>
-                      </a:r>
-                      <a:r>
-                        <a:rPr lang="en-US" altLang="ko-KR" sz="1000" dirty="0" smtClean="0"/>
-                        <a:t>My Page</a:t>
+                        <a:t>My Page: My Page</a:t>
                       </a:r>
                       <a:r>
                         <a:rPr lang="ko-KR" altLang="en-US" sz="1000" dirty="0" smtClean="0"/>
@@ -4699,7 +4697,7 @@
                   </a:ext>
                 </a:extLst>
               </a:tr>
-              <a:tr h="336941">
+              <a:tr h="338073">
                 <a:tc gridSpan="5" vMerge="1">
                   <a:txBody>
                     <a:bodyPr/>
@@ -4782,7 +4780,7 @@
                   </a:ext>
                 </a:extLst>
               </a:tr>
-              <a:tr h="1733715">
+              <a:tr h="1739539">
                 <a:tc gridSpan="5" vMerge="1">
                   <a:txBody>
                     <a:bodyPr/>
@@ -4855,7 +4853,7 @@
                   </a:ext>
                 </a:extLst>
               </a:tr>
-              <a:tr h="336941">
+              <a:tr h="338073">
                 <a:tc gridSpan="5" vMerge="1">
                   <a:txBody>
                     <a:bodyPr/>
@@ -4938,7 +4936,7 @@
                   </a:ext>
                 </a:extLst>
               </a:tr>
-              <a:tr h="1733715">
+              <a:tr h="1728782">
                 <a:tc gridSpan="5" vMerge="1">
                   <a:txBody>
                     <a:bodyPr/>
@@ -5731,14 +5729,14 @@
           <p:nvPr>
             <p:extLst>
               <p:ext uri="{D42A27DB-BD31-4B8C-83A1-F6EECF244321}">
-                <p14:modId xmlns:p14="http://schemas.microsoft.com/office/powerpoint/2010/main" val="3182736103"/>
+                <p14:modId xmlns:p14="http://schemas.microsoft.com/office/powerpoint/2010/main" val="1575462360"/>
               </p:ext>
             </p:extLst>
           </p:nvPr>
         </p:nvGraphicFramePr>
         <p:xfrm>
           <a:off x="473333" y="118335"/>
-          <a:ext cx="11230986" cy="6484627"/>
+          <a:ext cx="11230986" cy="6529891"/>
         </p:xfrm>
         <a:graphic>
           <a:graphicData uri="http://schemas.openxmlformats.org/drawingml/2006/table">
@@ -5856,7 +5854,11 @@
                       <a:pPr latinLnBrk="1"/>
                       <a:r>
                         <a:rPr lang="ko-KR" altLang="en-US" sz="1200" dirty="0" smtClean="0"/>
-                        <a:t>로그인 화면</a:t>
+                        <a:t>로그인 </a:t>
+                      </a:r>
+                      <a:r>
+                        <a:rPr lang="ko-KR" altLang="en-US" sz="1200" dirty="0" smtClean="0"/>
+                        <a:t>화면</a:t>
                       </a:r>
                       <a:endParaRPr lang="ko-KR" altLang="en-US" sz="1200" dirty="0"/>
                     </a:p>
@@ -6059,6 +6061,159 @@
                     <a:bodyPr/>
                     <a:lstStyle/>
                     <a:p>
+                      <a:pPr marL="171450" indent="-171450" latinLnBrk="1">
+                        <a:buFontTx/>
+                        <a:buChar char="-"/>
+                      </a:pPr>
+                      <a:r>
+                        <a:rPr lang="ko-KR" altLang="en-US" sz="1000" dirty="0" err="1" smtClean="0"/>
+                        <a:t>아이디찾기</a:t>
+                      </a:r>
+                      <a:r>
+                        <a:rPr lang="en-US" altLang="ko-KR" sz="1000" dirty="0" smtClean="0"/>
+                        <a:t>: id </a:t>
+                      </a:r>
+                      <a:r>
+                        <a:rPr lang="ko-KR" altLang="en-US" sz="1000" dirty="0" smtClean="0"/>
+                        <a:t>찾기 </a:t>
+                      </a:r>
+                      <a:r>
+                        <a:rPr lang="ko-KR" altLang="en-US" sz="1000" dirty="0" err="1" smtClean="0"/>
+                        <a:t>팝업창</a:t>
+                      </a:r>
+                      <a:endParaRPr lang="en-US" altLang="ko-KR" sz="1000" dirty="0" smtClean="0"/>
+                    </a:p>
+                    <a:p>
+                      <a:pPr marL="171450" indent="-171450" latinLnBrk="1">
+                        <a:buFontTx/>
+                        <a:buChar char="-"/>
+                      </a:pPr>
+                      <a:r>
+                        <a:rPr lang="ko-KR" altLang="en-US" sz="1000" dirty="0" smtClean="0"/>
+                        <a:t>비밀번호 재설정</a:t>
+                      </a:r>
+                      <a:r>
+                        <a:rPr lang="en-US" altLang="ko-KR" sz="1000" dirty="0" smtClean="0"/>
+                        <a:t>: </a:t>
+                      </a:r>
+                      <a:r>
+                        <a:rPr lang="ko-KR" altLang="en-US" sz="1000" dirty="0" smtClean="0"/>
+                        <a:t>비밀번호 재설정 </a:t>
+                      </a:r>
+                      <a:r>
+                        <a:rPr lang="ko-KR" altLang="en-US" sz="1000" dirty="0" err="1" smtClean="0"/>
+                        <a:t>팝업창</a:t>
+                      </a:r>
+                      <a:endParaRPr lang="en-US" altLang="ko-KR" sz="1000" dirty="0" smtClean="0"/>
+                    </a:p>
+                    <a:p>
+                      <a:pPr marL="171450" indent="-171450" latinLnBrk="1">
+                        <a:buFontTx/>
+                        <a:buChar char="-"/>
+                      </a:pPr>
+                      <a:r>
+                        <a:rPr lang="ko-KR" altLang="en-US" sz="1000" dirty="0" smtClean="0"/>
+                        <a:t>로그인 폼</a:t>
+                      </a:r>
+                      <a:r>
+                        <a:rPr lang="en-US" altLang="ko-KR" sz="1000" dirty="0" smtClean="0"/>
+                        <a:t>: </a:t>
+                      </a:r>
+                      <a:r>
+                        <a:rPr lang="ko-KR" altLang="en-US" sz="1000" dirty="0" smtClean="0"/>
+                        <a:t>아이디 비밀번호 </a:t>
+                      </a:r>
+                      <a:r>
+                        <a:rPr lang="ko-KR" altLang="en-US" sz="1000" dirty="0" err="1" smtClean="0"/>
+                        <a:t>입력창</a:t>
+                      </a:r>
+                      <a:r>
+                        <a:rPr lang="ko-KR" altLang="en-US" sz="1000" dirty="0" smtClean="0"/>
+                        <a:t> 및 로그인 버튼</a:t>
+                      </a:r>
+                      <a:r>
+                        <a:rPr lang="en-US" altLang="ko-KR" sz="1000" dirty="0" smtClean="0"/>
+                        <a:t>.</a:t>
+                      </a:r>
+                    </a:p>
+                    <a:p>
+                      <a:pPr marL="171450" indent="-171450" latinLnBrk="1">
+                        <a:buFontTx/>
+                        <a:buChar char="-"/>
+                      </a:pPr>
+                      <a:r>
+                        <a:rPr lang="ko-KR" altLang="en-US" sz="1000" dirty="0" smtClean="0"/>
+                        <a:t>로그인 폼</a:t>
+                      </a:r>
+                      <a:r>
+                        <a:rPr lang="en-US" altLang="ko-KR" sz="1000" dirty="0" smtClean="0"/>
+                        <a:t>: </a:t>
+                      </a:r>
+                      <a:r>
+                        <a:rPr lang="ko-KR" altLang="en-US" sz="1000" dirty="0" smtClean="0"/>
+                        <a:t>아이디 혹은 비번 불일치 시 </a:t>
+                      </a:r>
+                      <a:r>
+                        <a:rPr lang="ko-KR" altLang="en-US" sz="1000" dirty="0" err="1" smtClean="0"/>
+                        <a:t>경고창</a:t>
+                      </a:r>
+                      <a:endParaRPr lang="en-US" altLang="ko-KR" sz="1000" dirty="0" smtClean="0"/>
+                    </a:p>
+                    <a:p>
+                      <a:pPr marL="171450" indent="-171450" latinLnBrk="1">
+                        <a:buFontTx/>
+                        <a:buChar char="-"/>
+                      </a:pPr>
+                      <a:r>
+                        <a:rPr lang="ko-KR" altLang="en-US" sz="1000" dirty="0" smtClean="0"/>
+                        <a:t>로그인 옆</a:t>
+                      </a:r>
+                      <a:r>
+                        <a:rPr lang="en-US" altLang="ko-KR" sz="1000" dirty="0" smtClean="0"/>
+                        <a:t>: </a:t>
+                      </a:r>
+                      <a:r>
+                        <a:rPr lang="ko-KR" altLang="en-US" sz="1000" dirty="0" smtClean="0"/>
+                        <a:t>라디오 타입 인풋</a:t>
+                      </a:r>
+                      <a:endParaRPr lang="en-US" altLang="ko-KR" sz="1000" dirty="0" smtClean="0"/>
+                    </a:p>
+                    <a:p>
+                      <a:pPr marL="171450" indent="-171450" latinLnBrk="1">
+                        <a:buFontTx/>
+                        <a:buChar char="-"/>
+                      </a:pPr>
+                      <a:r>
+                        <a:rPr lang="ko-KR" altLang="en-US" sz="1000" dirty="0" err="1" smtClean="0"/>
+                        <a:t>클릭된</a:t>
+                      </a:r>
+                      <a:r>
+                        <a:rPr lang="ko-KR" altLang="en-US" sz="1000" dirty="0" smtClean="0"/>
+                        <a:t> 폼</a:t>
+                      </a:r>
+                      <a:r>
+                        <a:rPr lang="en-US" altLang="ko-KR" sz="1000" dirty="0" smtClean="0"/>
+                        <a:t>: </a:t>
+                      </a:r>
+                      <a:r>
+                        <a:rPr lang="ko-KR" altLang="en-US" sz="1000" dirty="0" smtClean="0"/>
+                        <a:t>로그인 </a:t>
+                      </a:r>
+                      <a:r>
+                        <a:rPr lang="en-US" altLang="ko-KR" sz="1000" dirty="0" smtClean="0"/>
+                        <a:t>&gt;&gt; </a:t>
+                      </a:r>
+                      <a:r>
+                        <a:rPr lang="ko-KR" altLang="en-US" sz="1000" dirty="0" err="1" smtClean="0"/>
+                        <a:t>로그인에</a:t>
+                      </a:r>
+                      <a:r>
+                        <a:rPr lang="ko-KR" altLang="en-US" sz="1000" dirty="0" smtClean="0"/>
+                        <a:t> 주황색</a:t>
+                      </a:r>
+                      <a:endParaRPr lang="en-US" altLang="ko-KR" sz="1000" dirty="0" smtClean="0"/>
+                    </a:p>
+                    <a:p>
                       <a:pPr latinLnBrk="1"/>
                       <a:endParaRPr lang="ko-KR" altLang="en-US" sz="1000" dirty="0"/>
                     </a:p>
@@ -6310,7 +6465,7 @@
                   </a:ext>
                 </a:extLst>
               </a:tr>
-              <a:tr h="1733715">
+              <a:tr h="1744854">
                 <a:tc gridSpan="5" vMerge="1">
                   <a:txBody>
                     <a:bodyPr/>
@@ -6433,532 +6588,532 @@
           </a:p>
         </p:txBody>
       </p:sp>
-      <p:sp>
-        <p:nvSpPr>
-          <p:cNvPr id="2" name="TextBox 1"/>
-          <p:cNvSpPr txBox="1"/>
+      <p:grpSp>
+        <p:nvGrpSpPr>
+          <p:cNvPr id="11" name="그룹 10"/>
+          <p:cNvGrpSpPr/>
           <p:nvPr/>
-        </p:nvSpPr>
-        <p:spPr>
+        </p:nvGrpSpPr>
+        <p:grpSpPr>
           <a:xfrm>
-            <a:off x="1683572" y="1678193"/>
-            <a:ext cx="2377440" cy="369332"/>
+            <a:off x="3221915" y="1503381"/>
+            <a:ext cx="3162748" cy="4652682"/>
+            <a:chOff x="3377902" y="1293809"/>
+            <a:chExt cx="3162748" cy="4652682"/>
           </a:xfrm>
-          <a:prstGeom prst="rect">
-            <a:avLst/>
-          </a:prstGeom>
-          <a:noFill/>
-        </p:spPr>
-        <p:txBody>
-          <a:bodyPr wrap="square" rtlCol="0">
-            <a:spAutoFit/>
-          </a:bodyPr>
-          <a:lstStyle/>
-          <a:p>
-            <a:pPr algn="ctr"/>
-            <a:r>
-              <a:rPr lang="ko-KR" altLang="en-US" b="1" dirty="0" smtClean="0"/>
-              <a:t>로그인</a:t>
-            </a:r>
-            <a:endParaRPr lang="ko-KR" altLang="en-US" b="1" dirty="0"/>
-          </a:p>
-        </p:txBody>
-      </p:sp>
-      <p:sp>
-        <p:nvSpPr>
-          <p:cNvPr id="6" name="모서리가 둥근 직사각형 5"/>
-          <p:cNvSpPr/>
+        </p:grpSpPr>
+        <p:sp>
+          <p:nvSpPr>
+            <p:cNvPr id="2" name="TextBox 1"/>
+            <p:cNvSpPr txBox="1"/>
+            <p:nvPr/>
+          </p:nvSpPr>
+          <p:spPr>
+            <a:xfrm>
+              <a:off x="3770556" y="1621716"/>
+              <a:ext cx="2377440" cy="369332"/>
+            </a:xfrm>
+            <a:prstGeom prst="rect">
+              <a:avLst/>
+            </a:prstGeom>
+            <a:noFill/>
+          </p:spPr>
+          <p:txBody>
+            <a:bodyPr wrap="square" rtlCol="0">
+              <a:spAutoFit/>
+            </a:bodyPr>
+            <a:lstStyle/>
+            <a:p>
+              <a:pPr algn="ctr"/>
+              <a:r>
+                <a:rPr lang="ko-KR" altLang="en-US" b="1" dirty="0" smtClean="0"/>
+                <a:t>로그인</a:t>
+              </a:r>
+              <a:endParaRPr lang="ko-KR" altLang="en-US" b="1" dirty="0"/>
+            </a:p>
+          </p:txBody>
+        </p:sp>
+        <p:sp>
+          <p:nvSpPr>
+            <p:cNvPr id="6" name="모서리가 둥근 직사각형 5"/>
+            <p:cNvSpPr/>
+            <p:nvPr/>
+          </p:nvSpPr>
+          <p:spPr>
+            <a:xfrm>
+              <a:off x="3770556" y="2473647"/>
+              <a:ext cx="2377440" cy="365760"/>
+            </a:xfrm>
+            <a:prstGeom prst="roundRect">
+              <a:avLst/>
+            </a:prstGeom>
+            <a:noFill/>
+          </p:spPr>
+          <p:style>
+            <a:lnRef idx="2">
+              <a:schemeClr val="accent1">
+                <a:shade val="50000"/>
+              </a:schemeClr>
+            </a:lnRef>
+            <a:fillRef idx="1">
+              <a:schemeClr val="accent1"/>
+            </a:fillRef>
+            <a:effectRef idx="0">
+              <a:schemeClr val="accent1"/>
+            </a:effectRef>
+            <a:fontRef idx="minor">
+              <a:schemeClr val="lt1"/>
+            </a:fontRef>
+          </p:style>
+          <p:txBody>
+            <a:bodyPr rtlCol="0" anchor="ctr"/>
+            <a:lstStyle/>
+            <a:p>
+              <a:pPr algn="ctr"/>
+              <a:endParaRPr lang="ko-KR" altLang="en-US" dirty="0"/>
+            </a:p>
+          </p:txBody>
+        </p:sp>
+        <p:sp>
+          <p:nvSpPr>
+            <p:cNvPr id="15" name="모서리가 둥근 직사각형 14"/>
+            <p:cNvSpPr/>
+            <p:nvPr/>
+          </p:nvSpPr>
+          <p:spPr>
+            <a:xfrm>
+              <a:off x="3770556" y="3186357"/>
+              <a:ext cx="2377440" cy="365760"/>
+            </a:xfrm>
+            <a:prstGeom prst="roundRect">
+              <a:avLst/>
+            </a:prstGeom>
+            <a:noFill/>
+          </p:spPr>
+          <p:style>
+            <a:lnRef idx="2">
+              <a:schemeClr val="accent1">
+                <a:shade val="50000"/>
+              </a:schemeClr>
+            </a:lnRef>
+            <a:fillRef idx="1">
+              <a:schemeClr val="accent1"/>
+            </a:fillRef>
+            <a:effectRef idx="0">
+              <a:schemeClr val="accent1"/>
+            </a:effectRef>
+            <a:fontRef idx="minor">
+              <a:schemeClr val="lt1"/>
+            </a:fontRef>
+          </p:style>
+          <p:txBody>
+            <a:bodyPr rtlCol="0" anchor="ctr"/>
+            <a:lstStyle/>
+            <a:p>
+              <a:pPr algn="ctr"/>
+              <a:endParaRPr lang="ko-KR" altLang="en-US" dirty="0"/>
+            </a:p>
+          </p:txBody>
+        </p:sp>
+        <p:sp>
+          <p:nvSpPr>
+            <p:cNvPr id="25" name="TextBox 24"/>
+            <p:cNvSpPr txBox="1"/>
+            <p:nvPr/>
+          </p:nvSpPr>
+          <p:spPr>
+            <a:xfrm>
+              <a:off x="3770556" y="2229144"/>
+              <a:ext cx="973567" cy="276999"/>
+            </a:xfrm>
+            <a:prstGeom prst="rect">
+              <a:avLst/>
+            </a:prstGeom>
+            <a:noFill/>
+          </p:spPr>
+          <p:txBody>
+            <a:bodyPr wrap="square" rtlCol="0">
+              <a:spAutoFit/>
+            </a:bodyPr>
+            <a:lstStyle/>
+            <a:p>
+              <a:r>
+                <a:rPr lang="ko-KR" altLang="en-US" sz="1200" b="1" dirty="0" smtClean="0"/>
+                <a:t>아이디</a:t>
+              </a:r>
+              <a:endParaRPr lang="ko-KR" altLang="en-US" sz="1200" b="1" dirty="0"/>
+            </a:p>
+          </p:txBody>
+        </p:sp>
+        <p:sp>
+          <p:nvSpPr>
+            <p:cNvPr id="26" name="TextBox 25"/>
+            <p:cNvSpPr txBox="1"/>
+            <p:nvPr/>
+          </p:nvSpPr>
+          <p:spPr>
+            <a:xfrm>
+              <a:off x="3770556" y="2941854"/>
+              <a:ext cx="973567" cy="276999"/>
+            </a:xfrm>
+            <a:prstGeom prst="rect">
+              <a:avLst/>
+            </a:prstGeom>
+            <a:noFill/>
+          </p:spPr>
+          <p:txBody>
+            <a:bodyPr wrap="square" rtlCol="0">
+              <a:spAutoFit/>
+            </a:bodyPr>
+            <a:lstStyle/>
+            <a:p>
+              <a:r>
+                <a:rPr lang="ko-KR" altLang="en-US" sz="1200" b="1" dirty="0" smtClean="0"/>
+                <a:t>비밀번호</a:t>
+              </a:r>
+              <a:endParaRPr lang="ko-KR" altLang="en-US" sz="1200" b="1" dirty="0"/>
+            </a:p>
+          </p:txBody>
+        </p:sp>
+        <p:sp>
+          <p:nvSpPr>
+            <p:cNvPr id="22" name="TextBox 21"/>
+            <p:cNvSpPr txBox="1"/>
+            <p:nvPr/>
+          </p:nvSpPr>
+          <p:spPr>
+            <a:xfrm>
+              <a:off x="3673737" y="4826746"/>
+              <a:ext cx="1188720" cy="246221"/>
+            </a:xfrm>
+            <a:prstGeom prst="rect">
+              <a:avLst/>
+            </a:prstGeom>
+            <a:noFill/>
+          </p:spPr>
+          <p:txBody>
+            <a:bodyPr wrap="square" rtlCol="0">
+              <a:spAutoFit/>
+            </a:bodyPr>
+            <a:lstStyle/>
+            <a:p>
+              <a:r>
+                <a:rPr lang="ko-KR" altLang="en-US" sz="1000" u="sng" dirty="0" smtClean="0"/>
+                <a:t>비밀번호 재설정</a:t>
+              </a:r>
+              <a:endParaRPr lang="ko-KR" altLang="en-US" sz="1000" u="sng" dirty="0"/>
+            </a:p>
+          </p:txBody>
+        </p:sp>
+        <p:sp>
+          <p:nvSpPr>
+            <p:cNvPr id="23" name="TextBox 22"/>
+            <p:cNvSpPr txBox="1"/>
+            <p:nvPr/>
+          </p:nvSpPr>
+          <p:spPr>
+            <a:xfrm>
+              <a:off x="3673737" y="4577207"/>
+              <a:ext cx="952052" cy="248229"/>
+            </a:xfrm>
+            <a:prstGeom prst="rect">
+              <a:avLst/>
+            </a:prstGeom>
+            <a:noFill/>
+          </p:spPr>
+          <p:txBody>
+            <a:bodyPr wrap="square" rtlCol="0">
+              <a:spAutoFit/>
+            </a:bodyPr>
+            <a:lstStyle/>
+            <a:p>
+              <a:r>
+                <a:rPr lang="ko-KR" altLang="en-US" sz="1000" u="sng" dirty="0" err="1" smtClean="0"/>
+                <a:t>아이디찾기</a:t>
+              </a:r>
+              <a:endParaRPr lang="ko-KR" altLang="en-US" sz="1000" u="sng" dirty="0"/>
+            </a:p>
+          </p:txBody>
+        </p:sp>
+        <p:sp>
+          <p:nvSpPr>
+            <p:cNvPr id="9" name="모서리가 둥근 직사각형 8"/>
+            <p:cNvSpPr/>
+            <p:nvPr/>
+          </p:nvSpPr>
+          <p:spPr>
+            <a:xfrm>
+              <a:off x="3377902" y="1293809"/>
+              <a:ext cx="3162748" cy="4652682"/>
+            </a:xfrm>
+            <a:prstGeom prst="roundRect">
+              <a:avLst>
+                <a:gd name="adj" fmla="val 4762"/>
+              </a:avLst>
+            </a:prstGeom>
+            <a:noFill/>
+            <a:ln w="28575">
+              <a:solidFill>
+                <a:schemeClr val="accent5">
+                  <a:lumMod val="50000"/>
+                </a:schemeClr>
+              </a:solidFill>
+            </a:ln>
+          </p:spPr>
+          <p:style>
+            <a:lnRef idx="2">
+              <a:schemeClr val="accent1">
+                <a:shade val="50000"/>
+              </a:schemeClr>
+            </a:lnRef>
+            <a:fillRef idx="1">
+              <a:schemeClr val="accent1"/>
+            </a:fillRef>
+            <a:effectRef idx="0">
+              <a:schemeClr val="accent1"/>
+            </a:effectRef>
+            <a:fontRef idx="minor">
+              <a:schemeClr val="lt1"/>
+            </a:fontRef>
+          </p:style>
+          <p:txBody>
+            <a:bodyPr rtlCol="0" anchor="ctr"/>
+            <a:lstStyle/>
+            <a:p>
+              <a:pPr algn="ctr"/>
+              <a:endParaRPr lang="ko-KR" altLang="en-US"/>
+            </a:p>
+          </p:txBody>
+        </p:sp>
+        <p:sp>
+          <p:nvSpPr>
+            <p:cNvPr id="35" name="모서리가 둥근 직사각형 34"/>
+            <p:cNvSpPr/>
+            <p:nvPr/>
+          </p:nvSpPr>
+          <p:spPr>
+            <a:xfrm>
+              <a:off x="3770556" y="3918099"/>
+              <a:ext cx="2377440" cy="365760"/>
+            </a:xfrm>
+            <a:prstGeom prst="roundRect">
+              <a:avLst/>
+            </a:prstGeom>
+            <a:solidFill>
+              <a:schemeClr val="accent5">
+                <a:lumMod val="75000"/>
+              </a:schemeClr>
+            </a:solidFill>
+            <a:ln>
+              <a:noFill/>
+            </a:ln>
+          </p:spPr>
+          <p:style>
+            <a:lnRef idx="2">
+              <a:schemeClr val="accent1">
+                <a:shade val="50000"/>
+              </a:schemeClr>
+            </a:lnRef>
+            <a:fillRef idx="1">
+              <a:schemeClr val="accent1"/>
+            </a:fillRef>
+            <a:effectRef idx="0">
+              <a:schemeClr val="accent1"/>
+            </a:effectRef>
+            <a:fontRef idx="minor">
+              <a:schemeClr val="lt1"/>
+            </a:fontRef>
+          </p:style>
+          <p:txBody>
+            <a:bodyPr rtlCol="0" anchor="ctr"/>
+            <a:lstStyle/>
+            <a:p>
+              <a:pPr algn="ctr"/>
+              <a:r>
+                <a:rPr lang="ko-KR" altLang="en-US" sz="1400" b="1" dirty="0" smtClean="0"/>
+                <a:t>로그인</a:t>
+              </a:r>
+              <a:endParaRPr lang="ko-KR" altLang="en-US" sz="1400" b="1" dirty="0"/>
+            </a:p>
+          </p:txBody>
+        </p:sp>
+      </p:grpSp>
+      <p:grpSp>
+        <p:nvGrpSpPr>
+          <p:cNvPr id="44" name="그룹 43"/>
+          <p:cNvGrpSpPr/>
           <p:nvPr/>
-        </p:nvSpPr>
-        <p:spPr>
+        </p:nvGrpSpPr>
+        <p:grpSpPr>
           <a:xfrm>
-            <a:off x="1683572" y="2428305"/>
-            <a:ext cx="2377440" cy="365760"/>
+            <a:off x="3381711" y="1092322"/>
+            <a:ext cx="2843155" cy="307777"/>
+            <a:chOff x="3428104" y="1092322"/>
+            <a:chExt cx="2843155" cy="307777"/>
           </a:xfrm>
-          <a:prstGeom prst="roundRect">
-            <a:avLst/>
-          </a:prstGeom>
-          <a:noFill/>
-        </p:spPr>
-        <p:style>
-          <a:lnRef idx="2">
-            <a:schemeClr val="accent1">
-              <a:shade val="50000"/>
-            </a:schemeClr>
-          </a:lnRef>
-          <a:fillRef idx="1">
-            <a:schemeClr val="accent1"/>
-          </a:fillRef>
-          <a:effectRef idx="0">
-            <a:schemeClr val="accent1"/>
-          </a:effectRef>
-          <a:fontRef idx="minor">
-            <a:schemeClr val="lt1"/>
-          </a:fontRef>
-        </p:style>
-        <p:txBody>
-          <a:bodyPr rtlCol="0" anchor="ctr"/>
-          <a:lstStyle/>
-          <a:p>
-            <a:pPr algn="ctr"/>
-            <a:endParaRPr lang="ko-KR" altLang="en-US" dirty="0"/>
-          </a:p>
-        </p:txBody>
-      </p:sp>
-      <p:sp>
-        <p:nvSpPr>
-          <p:cNvPr id="15" name="모서리가 둥근 직사각형 14"/>
-          <p:cNvSpPr/>
-          <p:nvPr/>
-        </p:nvSpPr>
-        <p:spPr>
-          <a:xfrm>
-            <a:off x="1683572" y="3415085"/>
-            <a:ext cx="2377440" cy="365760"/>
-          </a:xfrm>
-          <a:prstGeom prst="roundRect">
-            <a:avLst/>
-          </a:prstGeom>
-          <a:noFill/>
-        </p:spPr>
-        <p:style>
-          <a:lnRef idx="2">
-            <a:schemeClr val="accent1">
-              <a:shade val="50000"/>
-            </a:schemeClr>
-          </a:lnRef>
-          <a:fillRef idx="1">
-            <a:schemeClr val="accent1"/>
-          </a:fillRef>
-          <a:effectRef idx="0">
-            <a:schemeClr val="accent1"/>
-          </a:effectRef>
-          <a:fontRef idx="minor">
-            <a:schemeClr val="lt1"/>
-          </a:fontRef>
-        </p:style>
-        <p:txBody>
-          <a:bodyPr rtlCol="0" anchor="ctr"/>
-          <a:lstStyle/>
-          <a:p>
-            <a:pPr algn="ctr"/>
-            <a:endParaRPr lang="ko-KR" altLang="en-US" dirty="0"/>
-          </a:p>
-        </p:txBody>
-      </p:sp>
-      <p:sp>
-        <p:nvSpPr>
-          <p:cNvPr id="19" name="TextBox 18"/>
-          <p:cNvSpPr txBox="1"/>
-          <p:nvPr/>
-        </p:nvSpPr>
-        <p:spPr>
-          <a:xfrm>
-            <a:off x="5610113" y="1493527"/>
-            <a:ext cx="2377440" cy="369332"/>
-          </a:xfrm>
-          <a:prstGeom prst="rect">
-            <a:avLst/>
-          </a:prstGeom>
-          <a:noFill/>
-        </p:spPr>
-        <p:txBody>
-          <a:bodyPr wrap="square" rtlCol="0">
-            <a:spAutoFit/>
-          </a:bodyPr>
-          <a:lstStyle/>
-          <a:p>
-            <a:pPr algn="ctr"/>
-            <a:r>
-              <a:rPr lang="ko-KR" altLang="en-US" b="1" dirty="0" smtClean="0"/>
-              <a:t>회원가입</a:t>
-            </a:r>
-            <a:endParaRPr lang="ko-KR" altLang="en-US" b="1" dirty="0"/>
-          </a:p>
-        </p:txBody>
-      </p:sp>
-      <p:sp>
-        <p:nvSpPr>
-          <p:cNvPr id="20" name="모서리가 둥근 직사각형 19"/>
-          <p:cNvSpPr/>
-          <p:nvPr/>
-        </p:nvSpPr>
-        <p:spPr>
-          <a:xfrm>
-            <a:off x="5610113" y="2243639"/>
-            <a:ext cx="2377440" cy="365760"/>
-          </a:xfrm>
-          <a:prstGeom prst="roundRect">
-            <a:avLst/>
-          </a:prstGeom>
-          <a:noFill/>
-        </p:spPr>
-        <p:style>
-          <a:lnRef idx="2">
-            <a:schemeClr val="accent1">
-              <a:shade val="50000"/>
-            </a:schemeClr>
-          </a:lnRef>
-          <a:fillRef idx="1">
-            <a:schemeClr val="accent1"/>
-          </a:fillRef>
-          <a:effectRef idx="0">
-            <a:schemeClr val="accent1"/>
-          </a:effectRef>
-          <a:fontRef idx="minor">
-            <a:schemeClr val="lt1"/>
-          </a:fontRef>
-        </p:style>
-        <p:txBody>
-          <a:bodyPr rtlCol="0" anchor="ctr"/>
-          <a:lstStyle/>
-          <a:p>
-            <a:pPr algn="ctr"/>
-            <a:endParaRPr lang="ko-KR" altLang="en-US" dirty="0"/>
-          </a:p>
-        </p:txBody>
-      </p:sp>
-      <p:sp>
-        <p:nvSpPr>
-          <p:cNvPr id="21" name="모서리가 둥근 직사각형 20"/>
-          <p:cNvSpPr/>
-          <p:nvPr/>
-        </p:nvSpPr>
-        <p:spPr>
-          <a:xfrm>
-            <a:off x="5610113" y="3230419"/>
-            <a:ext cx="2377440" cy="365760"/>
-          </a:xfrm>
-          <a:prstGeom prst="roundRect">
-            <a:avLst/>
-          </a:prstGeom>
-          <a:noFill/>
-        </p:spPr>
-        <p:style>
-          <a:lnRef idx="2">
-            <a:schemeClr val="accent1">
-              <a:shade val="50000"/>
-            </a:schemeClr>
-          </a:lnRef>
-          <a:fillRef idx="1">
-            <a:schemeClr val="accent1"/>
-          </a:fillRef>
-          <a:effectRef idx="0">
-            <a:schemeClr val="accent1"/>
-          </a:effectRef>
-          <a:fontRef idx="minor">
-            <a:schemeClr val="lt1"/>
-          </a:fontRef>
-        </p:style>
-        <p:txBody>
-          <a:bodyPr rtlCol="0" anchor="ctr"/>
-          <a:lstStyle/>
-          <a:p>
-            <a:pPr algn="ctr"/>
-            <a:endParaRPr lang="ko-KR" altLang="en-US" dirty="0"/>
-          </a:p>
-        </p:txBody>
-      </p:sp>
-      <p:cxnSp>
-        <p:nvCxnSpPr>
-          <p:cNvPr id="10" name="직선 연결선 9"/>
-          <p:cNvCxnSpPr>
-            <a:stCxn id="5" idx="0"/>
-            <a:endCxn id="5" idx="2"/>
-          </p:cNvCxnSpPr>
-          <p:nvPr/>
-        </p:nvCxnSpPr>
-        <p:spPr>
-          <a:xfrm>
-            <a:off x="4803290" y="1000461"/>
-            <a:ext cx="0" cy="5292763"/>
-          </a:xfrm>
-          <a:prstGeom prst="line">
-            <a:avLst/>
-          </a:prstGeom>
-          <a:ln w="19050"/>
-        </p:spPr>
-        <p:style>
-          <a:lnRef idx="1">
-            <a:schemeClr val="accent1"/>
-          </a:lnRef>
-          <a:fillRef idx="0">
-            <a:schemeClr val="accent1"/>
-          </a:fillRef>
-          <a:effectRef idx="0">
-            <a:schemeClr val="accent1"/>
-          </a:effectRef>
-          <a:fontRef idx="minor">
-            <a:schemeClr val="tx1"/>
-          </a:fontRef>
-        </p:style>
-      </p:cxnSp>
-      <p:sp>
-        <p:nvSpPr>
-          <p:cNvPr id="25" name="TextBox 24"/>
-          <p:cNvSpPr txBox="1"/>
-          <p:nvPr/>
-        </p:nvSpPr>
-        <p:spPr>
-          <a:xfrm>
-            <a:off x="1683572" y="2183802"/>
-            <a:ext cx="973567" cy="276999"/>
-          </a:xfrm>
-          <a:prstGeom prst="rect">
-            <a:avLst/>
-          </a:prstGeom>
-          <a:noFill/>
-        </p:spPr>
-        <p:txBody>
-          <a:bodyPr wrap="square" rtlCol="0">
-            <a:spAutoFit/>
-          </a:bodyPr>
-          <a:lstStyle/>
-          <a:p>
-            <a:r>
-              <a:rPr lang="ko-KR" altLang="en-US" sz="1200" b="1" dirty="0" smtClean="0"/>
-              <a:t>아이디</a:t>
-            </a:r>
-            <a:endParaRPr lang="ko-KR" altLang="en-US" sz="1200" b="1" dirty="0"/>
-          </a:p>
-        </p:txBody>
-      </p:sp>
-      <p:sp>
-        <p:nvSpPr>
-          <p:cNvPr id="26" name="TextBox 25"/>
-          <p:cNvSpPr txBox="1"/>
-          <p:nvPr/>
-        </p:nvSpPr>
-        <p:spPr>
-          <a:xfrm>
-            <a:off x="1683572" y="3170582"/>
-            <a:ext cx="973567" cy="276999"/>
-          </a:xfrm>
-          <a:prstGeom prst="rect">
-            <a:avLst/>
-          </a:prstGeom>
-          <a:noFill/>
-        </p:spPr>
-        <p:txBody>
-          <a:bodyPr wrap="square" rtlCol="0">
-            <a:spAutoFit/>
-          </a:bodyPr>
-          <a:lstStyle/>
-          <a:p>
-            <a:r>
-              <a:rPr lang="ko-KR" altLang="en-US" sz="1200" b="1" dirty="0" smtClean="0"/>
-              <a:t>비밀번호</a:t>
-            </a:r>
-            <a:endParaRPr lang="ko-KR" altLang="en-US" sz="1200" b="1" dirty="0"/>
-          </a:p>
-        </p:txBody>
-      </p:sp>
-      <p:sp>
-        <p:nvSpPr>
-          <p:cNvPr id="27" name="모서리가 둥근 직사각형 26"/>
-          <p:cNvSpPr/>
-          <p:nvPr/>
-        </p:nvSpPr>
-        <p:spPr>
-          <a:xfrm>
-            <a:off x="5610113" y="4217199"/>
-            <a:ext cx="2377440" cy="365760"/>
-          </a:xfrm>
-          <a:prstGeom prst="roundRect">
-            <a:avLst/>
-          </a:prstGeom>
-          <a:noFill/>
-        </p:spPr>
-        <p:style>
-          <a:lnRef idx="2">
-            <a:schemeClr val="accent1">
-              <a:shade val="50000"/>
-            </a:schemeClr>
-          </a:lnRef>
-          <a:fillRef idx="1">
-            <a:schemeClr val="accent1"/>
-          </a:fillRef>
-          <a:effectRef idx="0">
-            <a:schemeClr val="accent1"/>
-          </a:effectRef>
-          <a:fontRef idx="minor">
-            <a:schemeClr val="lt1"/>
-          </a:fontRef>
-        </p:style>
-        <p:txBody>
-          <a:bodyPr rtlCol="0" anchor="ctr"/>
-          <a:lstStyle/>
-          <a:p>
-            <a:pPr algn="ctr"/>
-            <a:endParaRPr lang="ko-KR" altLang="en-US" dirty="0"/>
-          </a:p>
-        </p:txBody>
-      </p:sp>
-      <p:sp>
-        <p:nvSpPr>
-          <p:cNvPr id="28" name="모서리가 둥근 직사각형 27"/>
-          <p:cNvSpPr/>
-          <p:nvPr/>
-        </p:nvSpPr>
-        <p:spPr>
-          <a:xfrm>
-            <a:off x="5610113" y="5207896"/>
-            <a:ext cx="2377440" cy="365760"/>
-          </a:xfrm>
-          <a:prstGeom prst="roundRect">
-            <a:avLst/>
-          </a:prstGeom>
-          <a:noFill/>
-        </p:spPr>
-        <p:style>
-          <a:lnRef idx="2">
-            <a:schemeClr val="accent1">
-              <a:shade val="50000"/>
-            </a:schemeClr>
-          </a:lnRef>
-          <a:fillRef idx="1">
-            <a:schemeClr val="accent1"/>
-          </a:fillRef>
-          <a:effectRef idx="0">
-            <a:schemeClr val="accent1"/>
-          </a:effectRef>
-          <a:fontRef idx="minor">
-            <a:schemeClr val="lt1"/>
-          </a:fontRef>
-        </p:style>
-        <p:txBody>
-          <a:bodyPr rtlCol="0" anchor="ctr"/>
-          <a:lstStyle/>
-          <a:p>
-            <a:pPr algn="ctr"/>
-            <a:endParaRPr lang="ko-KR" altLang="en-US" dirty="0"/>
-          </a:p>
-        </p:txBody>
-      </p:sp>
-      <p:sp>
-        <p:nvSpPr>
-          <p:cNvPr id="29" name="TextBox 28"/>
-          <p:cNvSpPr txBox="1"/>
-          <p:nvPr/>
-        </p:nvSpPr>
-        <p:spPr>
-          <a:xfrm>
-            <a:off x="5610112" y="1999136"/>
-            <a:ext cx="973567" cy="276999"/>
-          </a:xfrm>
-          <a:prstGeom prst="rect">
-            <a:avLst/>
-          </a:prstGeom>
-          <a:noFill/>
-        </p:spPr>
-        <p:txBody>
-          <a:bodyPr wrap="square" rtlCol="0">
-            <a:spAutoFit/>
-          </a:bodyPr>
-          <a:lstStyle/>
-          <a:p>
-            <a:r>
-              <a:rPr lang="ko-KR" altLang="en-US" sz="1200" b="1" dirty="0" smtClean="0"/>
-              <a:t>아이디</a:t>
-            </a:r>
-            <a:endParaRPr lang="ko-KR" altLang="en-US" sz="1200" b="1" dirty="0"/>
-          </a:p>
-        </p:txBody>
-      </p:sp>
-      <p:sp>
-        <p:nvSpPr>
-          <p:cNvPr id="30" name="TextBox 29"/>
-          <p:cNvSpPr txBox="1"/>
-          <p:nvPr/>
-        </p:nvSpPr>
-        <p:spPr>
-          <a:xfrm>
-            <a:off x="5610112" y="2985515"/>
-            <a:ext cx="973567" cy="276999"/>
-          </a:xfrm>
-          <a:prstGeom prst="rect">
-            <a:avLst/>
-          </a:prstGeom>
-          <a:noFill/>
-        </p:spPr>
-        <p:txBody>
-          <a:bodyPr wrap="square" rtlCol="0">
-            <a:spAutoFit/>
-          </a:bodyPr>
-          <a:lstStyle/>
-          <a:p>
-            <a:r>
-              <a:rPr lang="ko-KR" altLang="en-US" sz="1200" b="1" dirty="0" smtClean="0"/>
-              <a:t>비밀번호</a:t>
-            </a:r>
-            <a:endParaRPr lang="ko-KR" altLang="en-US" sz="1200" b="1" dirty="0"/>
-          </a:p>
-        </p:txBody>
-      </p:sp>
-      <p:sp>
-        <p:nvSpPr>
-          <p:cNvPr id="31" name="TextBox 30"/>
-          <p:cNvSpPr txBox="1"/>
-          <p:nvPr/>
-        </p:nvSpPr>
-        <p:spPr>
-          <a:xfrm>
-            <a:off x="5610112" y="3968970"/>
-            <a:ext cx="973567" cy="276999"/>
-          </a:xfrm>
-          <a:prstGeom prst="rect">
-            <a:avLst/>
-          </a:prstGeom>
-          <a:noFill/>
-        </p:spPr>
-        <p:txBody>
-          <a:bodyPr wrap="square" rtlCol="0">
-            <a:spAutoFit/>
-          </a:bodyPr>
-          <a:lstStyle/>
-          <a:p>
-            <a:r>
-              <a:rPr lang="ko-KR" altLang="en-US" sz="1200" b="1" dirty="0" smtClean="0"/>
-              <a:t>이메일</a:t>
-            </a:r>
-            <a:endParaRPr lang="ko-KR" altLang="en-US" sz="1200" b="1" dirty="0"/>
-          </a:p>
-        </p:txBody>
-      </p:sp>
-      <p:sp>
-        <p:nvSpPr>
-          <p:cNvPr id="32" name="TextBox 31"/>
-          <p:cNvSpPr txBox="1"/>
-          <p:nvPr/>
-        </p:nvSpPr>
-        <p:spPr>
-          <a:xfrm>
-            <a:off x="5610112" y="4953609"/>
-            <a:ext cx="973567" cy="276999"/>
-          </a:xfrm>
-          <a:prstGeom prst="rect">
-            <a:avLst/>
-          </a:prstGeom>
-          <a:noFill/>
-        </p:spPr>
-        <p:txBody>
-          <a:bodyPr wrap="square" rtlCol="0">
-            <a:spAutoFit/>
-          </a:bodyPr>
-          <a:lstStyle/>
-          <a:p>
-            <a:r>
-              <a:rPr lang="ko-KR" altLang="en-US" sz="1200" b="1" dirty="0" smtClean="0"/>
-              <a:t>전화번호</a:t>
-            </a:r>
-            <a:r>
-              <a:rPr lang="en-US" altLang="ko-KR" sz="1200" b="1" dirty="0" smtClean="0"/>
-              <a:t>?</a:t>
-            </a:r>
-            <a:endParaRPr lang="ko-KR" altLang="en-US" sz="1200" b="1" dirty="0"/>
-          </a:p>
-        </p:txBody>
-      </p:sp>
+        </p:grpSpPr>
+        <p:sp>
+          <p:nvSpPr>
+            <p:cNvPr id="16" name="모서리가 둥근 직사각형 15"/>
+            <p:cNvSpPr/>
+            <p:nvPr/>
+          </p:nvSpPr>
+          <p:spPr>
+            <a:xfrm>
+              <a:off x="4206240" y="1151068"/>
+              <a:ext cx="1140311" cy="193638"/>
+            </a:xfrm>
+            <a:prstGeom prst="roundRect">
+              <a:avLst>
+                <a:gd name="adj" fmla="val 50000"/>
+              </a:avLst>
+            </a:prstGeom>
+            <a:solidFill>
+              <a:schemeClr val="accent5">
+                <a:lumMod val="20000"/>
+                <a:lumOff val="80000"/>
+              </a:schemeClr>
+            </a:solidFill>
+            <a:ln>
+              <a:noFill/>
+            </a:ln>
+          </p:spPr>
+          <p:style>
+            <a:lnRef idx="2">
+              <a:schemeClr val="accent1">
+                <a:shade val="50000"/>
+              </a:schemeClr>
+            </a:lnRef>
+            <a:fillRef idx="1">
+              <a:schemeClr val="accent1"/>
+            </a:fillRef>
+            <a:effectRef idx="0">
+              <a:schemeClr val="accent1"/>
+            </a:effectRef>
+            <a:fontRef idx="minor">
+              <a:schemeClr val="lt1"/>
+            </a:fontRef>
+          </p:style>
+          <p:txBody>
+            <a:bodyPr rtlCol="0" anchor="ctr"/>
+            <a:lstStyle/>
+            <a:p>
+              <a:pPr algn="ctr"/>
+              <a:endParaRPr lang="ko-KR" altLang="en-US"/>
+            </a:p>
+          </p:txBody>
+        </p:sp>
+        <p:sp>
+          <p:nvSpPr>
+            <p:cNvPr id="17" name="타원 16"/>
+            <p:cNvSpPr/>
+            <p:nvPr/>
+          </p:nvSpPr>
+          <p:spPr>
+            <a:xfrm>
+              <a:off x="4206240" y="1111292"/>
+              <a:ext cx="289560" cy="269838"/>
+            </a:xfrm>
+            <a:prstGeom prst="ellipse">
+              <a:avLst/>
+            </a:prstGeom>
+            <a:solidFill>
+              <a:schemeClr val="accent5">
+                <a:lumMod val="75000"/>
+              </a:schemeClr>
+            </a:solidFill>
+            <a:ln>
+              <a:noFill/>
+            </a:ln>
+          </p:spPr>
+          <p:style>
+            <a:lnRef idx="2">
+              <a:schemeClr val="accent1">
+                <a:shade val="50000"/>
+              </a:schemeClr>
+            </a:lnRef>
+            <a:fillRef idx="1">
+              <a:schemeClr val="accent1"/>
+            </a:fillRef>
+            <a:effectRef idx="0">
+              <a:schemeClr val="accent1"/>
+            </a:effectRef>
+            <a:fontRef idx="minor">
+              <a:schemeClr val="lt1"/>
+            </a:fontRef>
+          </p:style>
+          <p:txBody>
+            <a:bodyPr rtlCol="0" anchor="ctr"/>
+            <a:lstStyle/>
+            <a:p>
+              <a:pPr algn="ctr"/>
+              <a:endParaRPr lang="ko-KR" altLang="en-US"/>
+            </a:p>
+          </p:txBody>
+        </p:sp>
+        <p:sp>
+          <p:nvSpPr>
+            <p:cNvPr id="18" name="TextBox 17"/>
+            <p:cNvSpPr txBox="1"/>
+            <p:nvPr/>
+          </p:nvSpPr>
+          <p:spPr>
+            <a:xfrm>
+              <a:off x="3428104" y="1092322"/>
+              <a:ext cx="817132" cy="307777"/>
+            </a:xfrm>
+            <a:prstGeom prst="rect">
+              <a:avLst/>
+            </a:prstGeom>
+            <a:noFill/>
+          </p:spPr>
+          <p:txBody>
+            <a:bodyPr wrap="square" rtlCol="0">
+              <a:spAutoFit/>
+            </a:bodyPr>
+            <a:lstStyle/>
+            <a:p>
+              <a:pPr algn="ctr"/>
+              <a:r>
+                <a:rPr lang="ko-KR" altLang="en-US" sz="1400" dirty="0" smtClean="0"/>
+                <a:t>로그인</a:t>
+              </a:r>
+              <a:endParaRPr lang="ko-KR" altLang="en-US" sz="1400" dirty="0"/>
+            </a:p>
+          </p:txBody>
+        </p:sp>
+        <p:sp>
+          <p:nvSpPr>
+            <p:cNvPr id="43" name="TextBox 42"/>
+            <p:cNvSpPr txBox="1"/>
+            <p:nvPr/>
+          </p:nvSpPr>
+          <p:spPr>
+            <a:xfrm>
+              <a:off x="5351480" y="1092322"/>
+              <a:ext cx="919779" cy="307777"/>
+            </a:xfrm>
+            <a:prstGeom prst="rect">
+              <a:avLst/>
+            </a:prstGeom>
+            <a:noFill/>
+          </p:spPr>
+          <p:txBody>
+            <a:bodyPr wrap="square" rtlCol="0">
+              <a:spAutoFit/>
+            </a:bodyPr>
+            <a:lstStyle/>
+            <a:p>
+              <a:pPr algn="ctr"/>
+              <a:r>
+                <a:rPr lang="ko-KR" altLang="en-US" sz="1400" smtClean="0"/>
+                <a:t>회원가입</a:t>
+              </a:r>
+              <a:endParaRPr lang="ko-KR" altLang="en-US" sz="1400" dirty="0"/>
+            </a:p>
+          </p:txBody>
+        </p:sp>
+      </p:grpSp>
     </p:spTree>
     <p:extLst>
       <p:ext uri="{BB962C8B-B14F-4D97-AF65-F5344CB8AC3E}">
@@ -6998,14 +7153,1687 @@
           <p:nvPr>
             <p:extLst>
               <p:ext uri="{D42A27DB-BD31-4B8C-83A1-F6EECF244321}">
-                <p14:modId xmlns:p14="http://schemas.microsoft.com/office/powerpoint/2010/main" val="2638506021"/>
+                <p14:modId xmlns:p14="http://schemas.microsoft.com/office/powerpoint/2010/main" val="293770704"/>
               </p:ext>
             </p:extLst>
           </p:nvPr>
         </p:nvGraphicFramePr>
         <p:xfrm>
           <a:off x="473333" y="118335"/>
-          <a:ext cx="11230986" cy="6484627"/>
+          <a:ext cx="11230986" cy="6529891"/>
+        </p:xfrm>
+        <a:graphic>
+          <a:graphicData uri="http://schemas.openxmlformats.org/drawingml/2006/table">
+            <a:tbl>
+              <a:tblPr firstRow="1" bandRow="1">
+                <a:tableStyleId>{5940675A-B579-460E-94D1-54222C63F5DA}</a:tableStyleId>
+              </a:tblPr>
+              <a:tblGrid>
+                <a:gridCol w="1021980">
+                  <a:extLst>
+                    <a:ext uri="{9D8B030D-6E8A-4147-A177-3AD203B41FA5}">
+                      <a16:colId xmlns:a16="http://schemas.microsoft.com/office/drawing/2014/main" val="2322514375"/>
+                    </a:ext>
+                  </a:extLst>
+                </a:gridCol>
+                <a:gridCol w="2721682">
+                  <a:extLst>
+                    <a:ext uri="{9D8B030D-6E8A-4147-A177-3AD203B41FA5}">
+                      <a16:colId xmlns:a16="http://schemas.microsoft.com/office/drawing/2014/main" val="865832739"/>
+                    </a:ext>
+                  </a:extLst>
+                </a:gridCol>
+                <a:gridCol w="1065010">
+                  <a:extLst>
+                    <a:ext uri="{9D8B030D-6E8A-4147-A177-3AD203B41FA5}">
+                      <a16:colId xmlns:a16="http://schemas.microsoft.com/office/drawing/2014/main" val="3727185790"/>
+                    </a:ext>
+                  </a:extLst>
+                </a:gridCol>
+                <a:gridCol w="2678652">
+                  <a:extLst>
+                    <a:ext uri="{9D8B030D-6E8A-4147-A177-3AD203B41FA5}">
+                      <a16:colId xmlns:a16="http://schemas.microsoft.com/office/drawing/2014/main" val="139337534"/>
+                    </a:ext>
+                  </a:extLst>
+                </a:gridCol>
+                <a:gridCol w="1183343">
+                  <a:extLst>
+                    <a:ext uri="{9D8B030D-6E8A-4147-A177-3AD203B41FA5}">
+                      <a16:colId xmlns:a16="http://schemas.microsoft.com/office/drawing/2014/main" val="1659280131"/>
+                    </a:ext>
+                  </a:extLst>
+                </a:gridCol>
+                <a:gridCol w="2560319">
+                  <a:extLst>
+                    <a:ext uri="{9D8B030D-6E8A-4147-A177-3AD203B41FA5}">
+                      <a16:colId xmlns:a16="http://schemas.microsoft.com/office/drawing/2014/main" val="3273932948"/>
+                    </a:ext>
+                  </a:extLst>
+                </a:gridCol>
+              </a:tblGrid>
+              <a:tr h="306928">
+                <a:tc>
+                  <a:txBody>
+                    <a:bodyPr/>
+                    <a:lstStyle/>
+                    <a:p>
+                      <a:pPr algn="ctr" latinLnBrk="1"/>
+                      <a:r>
+                        <a:rPr lang="ko-KR" altLang="en-US" sz="1400" b="1" dirty="0" smtClean="0"/>
+                        <a:t>화면 </a:t>
+                      </a:r>
+                      <a:r>
+                        <a:rPr lang="en-US" altLang="ko-KR" sz="1400" b="1" dirty="0" smtClean="0"/>
+                        <a:t>ID</a:t>
+                      </a:r>
+                      <a:endParaRPr lang="ko-KR" altLang="en-US" sz="1400" b="1" dirty="0"/>
+                    </a:p>
+                  </a:txBody>
+                  <a:tcPr>
+                    <a:solidFill>
+                      <a:schemeClr val="bg1">
+                        <a:lumMod val="85000"/>
+                      </a:schemeClr>
+                    </a:solidFill>
+                  </a:tcPr>
+                </a:tc>
+                <a:tc>
+                  <a:txBody>
+                    <a:bodyPr/>
+                    <a:lstStyle/>
+                    <a:p>
+                      <a:pPr latinLnBrk="1"/>
+                      <a:endParaRPr lang="ko-KR" altLang="en-US" sz="1400"/>
+                    </a:p>
+                  </a:txBody>
+                  <a:tcPr/>
+                </a:tc>
+                <a:tc>
+                  <a:txBody>
+                    <a:bodyPr/>
+                    <a:lstStyle/>
+                    <a:p>
+                      <a:pPr algn="ctr" latinLnBrk="1"/>
+                      <a:r>
+                        <a:rPr lang="ko-KR" altLang="en-US" sz="1400" b="1" dirty="0" smtClean="0"/>
+                        <a:t>화면 이름</a:t>
+                      </a:r>
+                      <a:endParaRPr lang="ko-KR" altLang="en-US" sz="1400" b="1" dirty="0"/>
+                    </a:p>
+                  </a:txBody>
+                  <a:tcPr>
+                    <a:solidFill>
+                      <a:schemeClr val="bg1">
+                        <a:lumMod val="85000"/>
+                      </a:schemeClr>
+                    </a:solidFill>
+                  </a:tcPr>
+                </a:tc>
+                <a:tc>
+                  <a:txBody>
+                    <a:bodyPr/>
+                    <a:lstStyle/>
+                    <a:p>
+                      <a:pPr latinLnBrk="1"/>
+                      <a:r>
+                        <a:rPr lang="ko-KR" altLang="en-US" sz="1200" dirty="0" smtClean="0"/>
+                        <a:t>로그인 </a:t>
+                      </a:r>
+                      <a:r>
+                        <a:rPr lang="ko-KR" altLang="en-US" sz="1200" dirty="0" smtClean="0"/>
+                        <a:t>화면</a:t>
+                      </a:r>
+                      <a:endParaRPr lang="ko-KR" altLang="en-US" sz="1200" dirty="0"/>
+                    </a:p>
+                  </a:txBody>
+                  <a:tcPr/>
+                </a:tc>
+                <a:tc>
+                  <a:txBody>
+                    <a:bodyPr/>
+                    <a:lstStyle/>
+                    <a:p>
+                      <a:pPr algn="ctr" latinLnBrk="1"/>
+                      <a:r>
+                        <a:rPr lang="ko-KR" altLang="en-US" sz="1400" b="1" dirty="0" smtClean="0"/>
+                        <a:t>화면 경로</a:t>
+                      </a:r>
+                      <a:endParaRPr lang="ko-KR" altLang="en-US" sz="1400" b="1" dirty="0"/>
+                    </a:p>
+                  </a:txBody>
+                  <a:tcPr>
+                    <a:solidFill>
+                      <a:schemeClr val="bg1">
+                        <a:lumMod val="85000"/>
+                      </a:schemeClr>
+                    </a:solidFill>
+                  </a:tcPr>
+                </a:tc>
+                <a:tc>
+                  <a:txBody>
+                    <a:bodyPr/>
+                    <a:lstStyle/>
+                    <a:p>
+                      <a:pPr latinLnBrk="1"/>
+                      <a:endParaRPr lang="ko-KR" altLang="en-US" sz="1200" dirty="0"/>
+                    </a:p>
+                  </a:txBody>
+                  <a:tcPr/>
+                </a:tc>
+                <a:extLst>
+                  <a:ext uri="{0D108BD9-81ED-4DB2-BD59-A6C34878D82A}">
+                    <a16:rowId xmlns:a16="http://schemas.microsoft.com/office/drawing/2014/main" val="719044907"/>
+                  </a:ext>
+                </a:extLst>
+              </a:tr>
+              <a:tr h="306928">
+                <a:tc>
+                  <a:txBody>
+                    <a:bodyPr/>
+                    <a:lstStyle/>
+                    <a:p>
+                      <a:pPr algn="ctr" latinLnBrk="1"/>
+                      <a:r>
+                        <a:rPr lang="ko-KR" altLang="en-US" sz="1400" b="1" dirty="0" smtClean="0"/>
+                        <a:t>화면 개요</a:t>
+                      </a:r>
+                      <a:endParaRPr lang="ko-KR" altLang="en-US" sz="1400" b="1" dirty="0"/>
+                    </a:p>
+                  </a:txBody>
+                  <a:tcPr>
+                    <a:solidFill>
+                      <a:schemeClr val="bg1">
+                        <a:lumMod val="85000"/>
+                      </a:schemeClr>
+                    </a:solidFill>
+                  </a:tcPr>
+                </a:tc>
+                <a:tc gridSpan="4">
+                  <a:txBody>
+                    <a:bodyPr/>
+                    <a:lstStyle/>
+                    <a:p>
+                      <a:pPr latinLnBrk="1"/>
+                      <a:r>
+                        <a:rPr lang="ko-KR" altLang="en-US" sz="1200" dirty="0" smtClean="0"/>
+                        <a:t>로그인 페이지</a:t>
+                      </a:r>
+                      <a:endParaRPr lang="ko-KR" altLang="en-US" sz="1200" dirty="0"/>
+                    </a:p>
+                  </a:txBody>
+                  <a:tcPr/>
+                </a:tc>
+                <a:tc hMerge="1">
+                  <a:txBody>
+                    <a:bodyPr/>
+                    <a:lstStyle/>
+                    <a:p>
+                      <a:pPr latinLnBrk="1"/>
+                      <a:endParaRPr lang="ko-KR" altLang="en-US" dirty="0"/>
+                    </a:p>
+                  </a:txBody>
+                  <a:tcPr/>
+                </a:tc>
+                <a:tc hMerge="1">
+                  <a:txBody>
+                    <a:bodyPr/>
+                    <a:lstStyle/>
+                    <a:p>
+                      <a:pPr latinLnBrk="1"/>
+                      <a:endParaRPr lang="ko-KR" altLang="en-US" dirty="0"/>
+                    </a:p>
+                  </a:txBody>
+                  <a:tcPr/>
+                </a:tc>
+                <a:tc hMerge="1">
+                  <a:txBody>
+                    <a:bodyPr/>
+                    <a:lstStyle/>
+                    <a:p>
+                      <a:pPr latinLnBrk="1"/>
+                      <a:endParaRPr lang="ko-KR" altLang="en-US" dirty="0"/>
+                    </a:p>
+                  </a:txBody>
+                  <a:tcPr/>
+                </a:tc>
+                <a:tc>
+                  <a:txBody>
+                    <a:bodyPr/>
+                    <a:lstStyle/>
+                    <a:p>
+                      <a:pPr latinLnBrk="1"/>
+                      <a:r>
+                        <a:rPr lang="ko-KR" altLang="en-US" sz="1400" b="1" dirty="0" smtClean="0"/>
+                        <a:t>설명</a:t>
+                      </a:r>
+                      <a:endParaRPr lang="ko-KR" altLang="en-US" sz="1400" b="1" dirty="0"/>
+                    </a:p>
+                  </a:txBody>
+                  <a:tcPr>
+                    <a:solidFill>
+                      <a:schemeClr val="bg1">
+                        <a:lumMod val="85000"/>
+                      </a:schemeClr>
+                    </a:solidFill>
+                  </a:tcPr>
+                </a:tc>
+                <a:extLst>
+                  <a:ext uri="{0D108BD9-81ED-4DB2-BD59-A6C34878D82A}">
+                    <a16:rowId xmlns:a16="http://schemas.microsoft.com/office/drawing/2014/main" val="2533827502"/>
+                  </a:ext>
+                </a:extLst>
+              </a:tr>
+              <a:tr h="1745817">
+                <a:tc rowSpan="5" gridSpan="5">
+                  <a:txBody>
+                    <a:bodyPr/>
+                    <a:lstStyle/>
+                    <a:p>
+                      <a:pPr latinLnBrk="1"/>
+                      <a:endParaRPr lang="ko-KR" altLang="en-US" sz="1400" dirty="0"/>
+                    </a:p>
+                  </a:txBody>
+                  <a:tcPr/>
+                </a:tc>
+                <a:tc rowSpan="5" hMerge="1">
+                  <a:txBody>
+                    <a:bodyPr/>
+                    <a:lstStyle/>
+                    <a:p>
+                      <a:pPr latinLnBrk="1"/>
+                      <a:endParaRPr lang="ko-KR" altLang="en-US"/>
+                    </a:p>
+                  </a:txBody>
+                  <a:tcPr/>
+                </a:tc>
+                <a:tc rowSpan="5" hMerge="1">
+                  <a:txBody>
+                    <a:bodyPr/>
+                    <a:lstStyle/>
+                    <a:p>
+                      <a:pPr latinLnBrk="1"/>
+                      <a:endParaRPr lang="ko-KR" altLang="en-US" dirty="0"/>
+                    </a:p>
+                  </a:txBody>
+                  <a:tcPr/>
+                </a:tc>
+                <a:tc rowSpan="5" hMerge="1">
+                  <a:txBody>
+                    <a:bodyPr/>
+                    <a:lstStyle/>
+                    <a:p>
+                      <a:pPr latinLnBrk="1"/>
+                      <a:endParaRPr lang="ko-KR" altLang="en-US" dirty="0"/>
+                    </a:p>
+                  </a:txBody>
+                  <a:tcPr/>
+                </a:tc>
+                <a:tc rowSpan="5" hMerge="1">
+                  <a:txBody>
+                    <a:bodyPr/>
+                    <a:lstStyle/>
+                    <a:p>
+                      <a:pPr latinLnBrk="1"/>
+                      <a:endParaRPr lang="ko-KR" altLang="en-US"/>
+                    </a:p>
+                  </a:txBody>
+                  <a:tcPr/>
+                </a:tc>
+                <a:tc>
+                  <a:txBody>
+                    <a:bodyPr/>
+                    <a:lstStyle/>
+                    <a:p>
+                      <a:pPr marL="171450" indent="-171450" latinLnBrk="1">
+                        <a:buFontTx/>
+                        <a:buChar char="-"/>
+                      </a:pPr>
+                      <a:r>
+                        <a:rPr lang="ko-KR" altLang="en-US" sz="1000" dirty="0" smtClean="0"/>
+                        <a:t>회원 가입</a:t>
+                      </a:r>
+                      <a:r>
+                        <a:rPr lang="en-US" altLang="ko-KR" sz="1000" dirty="0" smtClean="0"/>
+                        <a:t>: </a:t>
+                      </a:r>
+                      <a:r>
+                        <a:rPr lang="ko-KR" altLang="en-US" sz="1000" dirty="0" smtClean="0"/>
+                        <a:t>아이디 등 필수 정보 입력 후 버튼 클릭 시 회원 가입 성공 및 가입 알림 </a:t>
+                      </a:r>
+                      <a:r>
+                        <a:rPr lang="ko-KR" altLang="en-US" sz="1000" dirty="0" err="1" smtClean="0"/>
+                        <a:t>팝업창</a:t>
+                      </a:r>
+                      <a:r>
+                        <a:rPr lang="ko-KR" altLang="en-US" sz="1000" dirty="0" smtClean="0"/>
+                        <a:t> </a:t>
+                      </a:r>
+                      <a:endParaRPr lang="en-US" altLang="ko-KR" sz="1000" dirty="0" smtClean="0"/>
+                    </a:p>
+                    <a:p>
+                      <a:pPr marL="171450" indent="-171450" latinLnBrk="1">
+                        <a:buFontTx/>
+                        <a:buChar char="-"/>
+                      </a:pPr>
+                      <a:r>
+                        <a:rPr lang="ko-KR" altLang="en-US" sz="1000" dirty="0" smtClean="0"/>
+                        <a:t>회원 가입 정보 </a:t>
+                      </a:r>
+                      <a:r>
+                        <a:rPr lang="ko-KR" altLang="en-US" sz="1000" dirty="0" err="1" smtClean="0"/>
+                        <a:t>입력창</a:t>
+                      </a:r>
+                      <a:r>
+                        <a:rPr lang="en-US" altLang="ko-KR" sz="1000" dirty="0" smtClean="0"/>
+                        <a:t>: </a:t>
+                      </a:r>
+                      <a:r>
+                        <a:rPr lang="ko-KR" altLang="en-US" sz="1000" dirty="0" smtClean="0"/>
+                        <a:t>하나라도 공란일 시 해당 </a:t>
+                      </a:r>
+                      <a:r>
+                        <a:rPr lang="ko-KR" altLang="en-US" sz="1000" dirty="0" err="1" smtClean="0"/>
+                        <a:t>입력창에</a:t>
+                      </a:r>
+                      <a:r>
+                        <a:rPr lang="ko-KR" altLang="en-US" sz="1000" dirty="0" smtClean="0"/>
+                        <a:t> 값을 입력하라는 경고 팝업</a:t>
+                      </a:r>
+                      <a:endParaRPr lang="en-US" altLang="ko-KR" sz="1000" dirty="0" smtClean="0"/>
+                    </a:p>
+                    <a:p>
+                      <a:pPr marL="171450" indent="-171450" latinLnBrk="1">
+                        <a:buFontTx/>
+                        <a:buChar char="-"/>
+                      </a:pPr>
+                      <a:r>
+                        <a:rPr lang="ko-KR" altLang="en-US" sz="1000" dirty="0" err="1" smtClean="0"/>
+                        <a:t>중복체크</a:t>
+                      </a:r>
+                      <a:r>
+                        <a:rPr lang="en-US" altLang="ko-KR" sz="1000" dirty="0" smtClean="0"/>
+                        <a:t>: </a:t>
+                      </a:r>
+                      <a:r>
+                        <a:rPr lang="ko-KR" altLang="en-US" sz="1000" dirty="0" smtClean="0"/>
+                        <a:t>아이디 중복 체크</a:t>
+                      </a:r>
+                      <a:endParaRPr lang="en-US" altLang="ko-KR" sz="1000" dirty="0" smtClean="0"/>
+                    </a:p>
+                    <a:p>
+                      <a:pPr marL="171450" indent="-171450" latinLnBrk="1">
+                        <a:buFontTx/>
+                        <a:buChar char="-"/>
+                      </a:pPr>
+                      <a:r>
+                        <a:rPr lang="ko-KR" altLang="en-US" sz="1000" dirty="0" smtClean="0"/>
+                        <a:t>로그인 </a:t>
+                      </a:r>
+                      <a:r>
+                        <a:rPr lang="en-US" altLang="ko-KR" sz="1000" dirty="0" smtClean="0"/>
+                        <a:t>: </a:t>
+                      </a:r>
+                      <a:r>
+                        <a:rPr lang="ko-KR" altLang="en-US" sz="1000" dirty="0" smtClean="0"/>
+                        <a:t>로그인 폼으로 돌아가기</a:t>
+                      </a:r>
+                      <a:endParaRPr lang="en-US" altLang="ko-KR" sz="1000" dirty="0" smtClean="0"/>
+                    </a:p>
+                    <a:p>
+                      <a:pPr marL="171450" indent="-171450" latinLnBrk="1">
+                        <a:buFontTx/>
+                        <a:buChar char="-"/>
+                      </a:pPr>
+                      <a:r>
+                        <a:rPr lang="ko-KR" altLang="en-US" sz="1000" dirty="0" smtClean="0"/>
+                        <a:t>로그인 </a:t>
+                      </a:r>
+                      <a:r>
+                        <a:rPr lang="ko-KR" altLang="en-US" sz="1000" dirty="0" err="1" smtClean="0"/>
+                        <a:t>호버</a:t>
+                      </a:r>
+                      <a:r>
+                        <a:rPr lang="ko-KR" altLang="en-US" sz="1000" dirty="0" smtClean="0"/>
+                        <a:t> 시 마우스 떼기 전까지 변함</a:t>
+                      </a:r>
+                      <a:endParaRPr lang="en-US" altLang="ko-KR" sz="1000" dirty="0" smtClean="0"/>
+                    </a:p>
+                    <a:p>
+                      <a:pPr latinLnBrk="1"/>
+                      <a:endParaRPr lang="ko-KR" altLang="en-US" sz="1000" dirty="0"/>
+                    </a:p>
+                  </a:txBody>
+                  <a:tcPr/>
+                </a:tc>
+                <a:extLst>
+                  <a:ext uri="{0D108BD9-81ED-4DB2-BD59-A6C34878D82A}">
+                    <a16:rowId xmlns:a16="http://schemas.microsoft.com/office/drawing/2014/main" val="2546744659"/>
+                  </a:ext>
+                </a:extLst>
+              </a:tr>
+              <a:tr h="339293">
+                <a:tc gridSpan="5" vMerge="1">
+                  <a:txBody>
+                    <a:bodyPr/>
+                    <a:lstStyle/>
+                    <a:p>
+                      <a:pPr latinLnBrk="1"/>
+                      <a:endParaRPr lang="ko-KR" altLang="en-US" dirty="0"/>
+                    </a:p>
+                  </a:txBody>
+                  <a:tcPr/>
+                </a:tc>
+                <a:tc hMerge="1" vMerge="1">
+                  <a:txBody>
+                    <a:bodyPr/>
+                    <a:lstStyle/>
+                    <a:p>
+                      <a:pPr latinLnBrk="1"/>
+                      <a:endParaRPr lang="ko-KR" altLang="en-US" dirty="0"/>
+                    </a:p>
+                  </a:txBody>
+                  <a:tcPr/>
+                </a:tc>
+                <a:tc hMerge="1" vMerge="1">
+                  <a:txBody>
+                    <a:bodyPr/>
+                    <a:lstStyle/>
+                    <a:p>
+                      <a:pPr latinLnBrk="1"/>
+                      <a:endParaRPr lang="ko-KR" altLang="en-US"/>
+                    </a:p>
+                  </a:txBody>
+                  <a:tcPr/>
+                </a:tc>
+                <a:tc hMerge="1" vMerge="1">
+                  <a:txBody>
+                    <a:bodyPr/>
+                    <a:lstStyle/>
+                    <a:p>
+                      <a:pPr latinLnBrk="1"/>
+                      <a:endParaRPr lang="ko-KR" altLang="en-US"/>
+                    </a:p>
+                  </a:txBody>
+                  <a:tcPr/>
+                </a:tc>
+                <a:tc hMerge="1" vMerge="1">
+                  <a:txBody>
+                    <a:bodyPr/>
+                    <a:lstStyle/>
+                    <a:p>
+                      <a:pPr latinLnBrk="1"/>
+                      <a:endParaRPr lang="ko-KR" altLang="en-US"/>
+                    </a:p>
+                  </a:txBody>
+                  <a:tcPr/>
+                </a:tc>
+                <a:tc>
+                  <a:txBody>
+                    <a:bodyPr/>
+                    <a:lstStyle/>
+                    <a:p>
+                      <a:pPr latinLnBrk="1"/>
+                      <a:r>
+                        <a:rPr lang="ko-KR" altLang="en-US" sz="1400" b="1" dirty="0" smtClean="0"/>
+                        <a:t>중요</a:t>
+                      </a:r>
+                      <a:endParaRPr lang="ko-KR" altLang="en-US" sz="1400" b="1" dirty="0"/>
+                    </a:p>
+                  </a:txBody>
+                  <a:tcPr>
+                    <a:solidFill>
+                      <a:schemeClr val="bg1">
+                        <a:lumMod val="85000"/>
+                      </a:schemeClr>
+                    </a:solidFill>
+                  </a:tcPr>
+                </a:tc>
+                <a:extLst>
+                  <a:ext uri="{0D108BD9-81ED-4DB2-BD59-A6C34878D82A}">
+                    <a16:rowId xmlns:a16="http://schemas.microsoft.com/office/drawing/2014/main" val="472846577"/>
+                  </a:ext>
+                </a:extLst>
+              </a:tr>
+              <a:tr h="1745817">
+                <a:tc gridSpan="5" vMerge="1">
+                  <a:txBody>
+                    <a:bodyPr/>
+                    <a:lstStyle/>
+                    <a:p>
+                      <a:pPr latinLnBrk="1"/>
+                      <a:endParaRPr lang="ko-KR" altLang="en-US"/>
+                    </a:p>
+                  </a:txBody>
+                  <a:tcPr/>
+                </a:tc>
+                <a:tc hMerge="1" vMerge="1">
+                  <a:txBody>
+                    <a:bodyPr/>
+                    <a:lstStyle/>
+                    <a:p>
+                      <a:pPr latinLnBrk="1"/>
+                      <a:endParaRPr lang="ko-KR" altLang="en-US"/>
+                    </a:p>
+                  </a:txBody>
+                  <a:tcPr/>
+                </a:tc>
+                <a:tc hMerge="1" vMerge="1">
+                  <a:txBody>
+                    <a:bodyPr/>
+                    <a:lstStyle/>
+                    <a:p>
+                      <a:pPr latinLnBrk="1"/>
+                      <a:endParaRPr lang="ko-KR" altLang="en-US" dirty="0"/>
+                    </a:p>
+                  </a:txBody>
+                  <a:tcPr/>
+                </a:tc>
+                <a:tc hMerge="1" vMerge="1">
+                  <a:txBody>
+                    <a:bodyPr/>
+                    <a:lstStyle/>
+                    <a:p>
+                      <a:pPr latinLnBrk="1"/>
+                      <a:endParaRPr lang="ko-KR" altLang="en-US" dirty="0"/>
+                    </a:p>
+                  </a:txBody>
+                  <a:tcPr/>
+                </a:tc>
+                <a:tc hMerge="1" vMerge="1">
+                  <a:txBody>
+                    <a:bodyPr/>
+                    <a:lstStyle/>
+                    <a:p>
+                      <a:pPr latinLnBrk="1"/>
+                      <a:endParaRPr lang="ko-KR" altLang="en-US"/>
+                    </a:p>
+                  </a:txBody>
+                  <a:tcPr/>
+                </a:tc>
+                <a:tc>
+                  <a:txBody>
+                    <a:bodyPr/>
+                    <a:lstStyle/>
+                    <a:p>
+                      <a:pPr marL="171450" indent="-171450" latinLnBrk="1">
+                        <a:buFontTx/>
+                        <a:buChar char="-"/>
+                      </a:pPr>
+                      <a:r>
+                        <a:rPr lang="ko-KR" altLang="en-US" sz="1000" dirty="0" smtClean="0"/>
+                        <a:t>중복 체크 시 사용 가능한 아이디</a:t>
+                      </a:r>
+                      <a:endParaRPr lang="en-US" altLang="ko-KR" sz="1000" dirty="0" smtClean="0"/>
+                    </a:p>
+                    <a:p>
+                      <a:pPr marL="0" indent="0" latinLnBrk="1">
+                        <a:buFontTx/>
+                        <a:buNone/>
+                      </a:pPr>
+                      <a:r>
+                        <a:rPr lang="en-US" altLang="ko-KR" sz="1000" dirty="0" smtClean="0"/>
+                        <a:t>: </a:t>
+                      </a:r>
+                      <a:r>
+                        <a:rPr lang="ko-KR" altLang="en-US" sz="1000" dirty="0" smtClean="0"/>
+                        <a:t>사용 가능한 아이디입니다</a:t>
+                      </a:r>
+                      <a:r>
+                        <a:rPr lang="en-US" altLang="ko-KR" sz="1000" dirty="0" smtClean="0"/>
+                        <a:t>! </a:t>
+                      </a:r>
+                      <a:r>
+                        <a:rPr lang="ko-KR" altLang="en-US" sz="1000" dirty="0" err="1" smtClean="0"/>
+                        <a:t>팝업창</a:t>
+                      </a:r>
+                      <a:endParaRPr lang="en-US" altLang="ko-KR" sz="1000" dirty="0" smtClean="0"/>
+                    </a:p>
+                    <a:p>
+                      <a:pPr marL="0" indent="0" latinLnBrk="1">
+                        <a:buFontTx/>
+                        <a:buNone/>
+                      </a:pPr>
+                      <a:r>
+                        <a:rPr lang="en-US" altLang="ko-KR" sz="1000" dirty="0" smtClean="0"/>
+                        <a:t>: </a:t>
+                      </a:r>
+                      <a:r>
+                        <a:rPr lang="ko-KR" altLang="en-US" sz="1000" dirty="0" smtClean="0"/>
+                        <a:t>이후 입력란에 체크한 아이디를 남김</a:t>
+                      </a:r>
+                      <a:endParaRPr lang="en-US" altLang="ko-KR" sz="1000" dirty="0" smtClean="0"/>
+                    </a:p>
+                    <a:p>
+                      <a:pPr marL="171450" indent="-171450" latinLnBrk="1">
+                        <a:buFontTx/>
+                        <a:buChar char="-"/>
+                      </a:pPr>
+                      <a:r>
+                        <a:rPr lang="ko-KR" altLang="en-US" sz="1000" dirty="0" smtClean="0"/>
+                        <a:t>중복 체크 시 중복되는 아이디</a:t>
+                      </a:r>
+                      <a:endParaRPr lang="en-US" altLang="ko-KR" sz="1000" dirty="0" smtClean="0"/>
+                    </a:p>
+                    <a:p>
+                      <a:pPr marL="0" indent="0" latinLnBrk="1">
+                        <a:buFontTx/>
+                        <a:buNone/>
+                      </a:pPr>
+                      <a:r>
+                        <a:rPr lang="en-US" altLang="ko-KR" sz="1000" dirty="0" smtClean="0"/>
+                        <a:t>: </a:t>
+                      </a:r>
+                      <a:r>
+                        <a:rPr lang="ko-KR" altLang="en-US" sz="1000" dirty="0" smtClean="0"/>
+                        <a:t>중복되는 아이디입니다</a:t>
+                      </a:r>
+                      <a:r>
+                        <a:rPr lang="en-US" altLang="ko-KR" sz="1000" dirty="0" smtClean="0"/>
+                        <a:t>! </a:t>
+                      </a:r>
+                      <a:r>
+                        <a:rPr lang="ko-KR" altLang="en-US" sz="1000" dirty="0" smtClean="0"/>
+                        <a:t>팝업</a:t>
+                      </a:r>
+                      <a:endParaRPr lang="en-US" altLang="ko-KR" sz="1000" dirty="0" smtClean="0"/>
+                    </a:p>
+                    <a:p>
+                      <a:pPr marL="0" indent="0" latinLnBrk="1">
+                        <a:buFontTx/>
+                        <a:buNone/>
+                      </a:pPr>
+                      <a:r>
+                        <a:rPr lang="en-US" altLang="ko-KR" sz="1000" dirty="0" smtClean="0"/>
+                        <a:t>: </a:t>
+                      </a:r>
+                      <a:r>
+                        <a:rPr lang="ko-KR" altLang="en-US" sz="1000" dirty="0" smtClean="0"/>
+                        <a:t>입력란 </a:t>
+                      </a:r>
+                      <a:r>
+                        <a:rPr lang="ko-KR" altLang="en-US" sz="1000" dirty="0" err="1" smtClean="0"/>
+                        <a:t>비워둠</a:t>
+                      </a:r>
+                      <a:endParaRPr lang="en-US" altLang="ko-KR" sz="1000" dirty="0" smtClean="0"/>
+                    </a:p>
+                    <a:p>
+                      <a:pPr marL="171450" indent="-171450" latinLnBrk="1">
+                        <a:buFontTx/>
+                        <a:buChar char="-"/>
+                      </a:pPr>
+                      <a:r>
+                        <a:rPr lang="ko-KR" altLang="en-US" sz="1000" dirty="0" smtClean="0"/>
+                        <a:t>중복 체크 시 중복이 아니고 사용할 수 없는 아이디</a:t>
+                      </a:r>
+                      <a:endParaRPr lang="en-US" altLang="ko-KR" sz="1000" dirty="0" smtClean="0"/>
+                    </a:p>
+                    <a:p>
+                      <a:pPr marL="0" indent="0" latinLnBrk="1">
+                        <a:buFontTx/>
+                        <a:buNone/>
+                      </a:pPr>
+                      <a:r>
+                        <a:rPr lang="en-US" altLang="ko-KR" sz="1000" dirty="0" smtClean="0"/>
+                        <a:t>: </a:t>
+                      </a:r>
+                      <a:r>
+                        <a:rPr lang="ko-KR" altLang="en-US" sz="1000" dirty="0" smtClean="0"/>
+                        <a:t>사용할 수 없는 아이디입니다</a:t>
+                      </a:r>
+                      <a:r>
+                        <a:rPr lang="en-US" altLang="ko-KR" sz="1000" dirty="0" smtClean="0"/>
+                        <a:t>! </a:t>
+                      </a:r>
+                      <a:r>
+                        <a:rPr lang="ko-KR" altLang="en-US" sz="1000" dirty="0" smtClean="0"/>
+                        <a:t>팝업</a:t>
+                      </a:r>
+                      <a:endParaRPr lang="en-US" altLang="ko-KR" sz="1000" dirty="0" smtClean="0"/>
+                    </a:p>
+                    <a:p>
+                      <a:pPr marL="0" indent="0" latinLnBrk="1">
+                        <a:buFontTx/>
+                        <a:buNone/>
+                      </a:pPr>
+                      <a:r>
+                        <a:rPr lang="en-US" altLang="ko-KR" sz="1000" dirty="0" smtClean="0"/>
+                        <a:t>: </a:t>
+                      </a:r>
+                      <a:r>
+                        <a:rPr lang="ko-KR" altLang="en-US" sz="1000" dirty="0" smtClean="0"/>
+                        <a:t>입력란 </a:t>
+                      </a:r>
+                      <a:r>
+                        <a:rPr lang="ko-KR" altLang="en-US" sz="1000" dirty="0" err="1" smtClean="0"/>
+                        <a:t>비워둠</a:t>
+                      </a:r>
+                      <a:endParaRPr lang="ko-KR" altLang="en-US" sz="1000" dirty="0"/>
+                    </a:p>
+                  </a:txBody>
+                  <a:tcPr/>
+                </a:tc>
+                <a:extLst>
+                  <a:ext uri="{0D108BD9-81ED-4DB2-BD59-A6C34878D82A}">
+                    <a16:rowId xmlns:a16="http://schemas.microsoft.com/office/drawing/2014/main" val="693559001"/>
+                  </a:ext>
+                </a:extLst>
+              </a:tr>
+              <a:tr h="339293">
+                <a:tc gridSpan="5" vMerge="1">
+                  <a:txBody>
+                    <a:bodyPr/>
+                    <a:lstStyle/>
+                    <a:p>
+                      <a:pPr latinLnBrk="1"/>
+                      <a:endParaRPr lang="ko-KR" altLang="en-US"/>
+                    </a:p>
+                  </a:txBody>
+                  <a:tcPr/>
+                </a:tc>
+                <a:tc hMerge="1" vMerge="1">
+                  <a:txBody>
+                    <a:bodyPr/>
+                    <a:lstStyle/>
+                    <a:p>
+                      <a:pPr latinLnBrk="1"/>
+                      <a:endParaRPr lang="ko-KR" altLang="en-US"/>
+                    </a:p>
+                  </a:txBody>
+                  <a:tcPr/>
+                </a:tc>
+                <a:tc hMerge="1" vMerge="1">
+                  <a:txBody>
+                    <a:bodyPr/>
+                    <a:lstStyle/>
+                    <a:p>
+                      <a:pPr latinLnBrk="1"/>
+                      <a:endParaRPr lang="ko-KR" altLang="en-US"/>
+                    </a:p>
+                  </a:txBody>
+                  <a:tcPr/>
+                </a:tc>
+                <a:tc hMerge="1" vMerge="1">
+                  <a:txBody>
+                    <a:bodyPr/>
+                    <a:lstStyle/>
+                    <a:p>
+                      <a:pPr latinLnBrk="1"/>
+                      <a:endParaRPr lang="ko-KR" altLang="en-US" dirty="0"/>
+                    </a:p>
+                  </a:txBody>
+                  <a:tcPr/>
+                </a:tc>
+                <a:tc hMerge="1" vMerge="1">
+                  <a:txBody>
+                    <a:bodyPr/>
+                    <a:lstStyle/>
+                    <a:p>
+                      <a:pPr latinLnBrk="1"/>
+                      <a:endParaRPr lang="ko-KR" altLang="en-US" dirty="0"/>
+                    </a:p>
+                  </a:txBody>
+                  <a:tcPr/>
+                </a:tc>
+                <a:tc>
+                  <a:txBody>
+                    <a:bodyPr/>
+                    <a:lstStyle/>
+                    <a:p>
+                      <a:pPr latinLnBrk="1"/>
+                      <a:r>
+                        <a:rPr lang="ko-KR" altLang="en-US" sz="1400" b="1" dirty="0" smtClean="0"/>
+                        <a:t>연계되는 화면</a:t>
+                      </a:r>
+                      <a:endParaRPr lang="ko-KR" altLang="en-US" sz="1400" b="1" dirty="0"/>
+                    </a:p>
+                  </a:txBody>
+                  <a:tcPr>
+                    <a:solidFill>
+                      <a:schemeClr val="bg1">
+                        <a:lumMod val="85000"/>
+                      </a:schemeClr>
+                    </a:solidFill>
+                  </a:tcPr>
+                </a:tc>
+                <a:extLst>
+                  <a:ext uri="{0D108BD9-81ED-4DB2-BD59-A6C34878D82A}">
+                    <a16:rowId xmlns:a16="http://schemas.microsoft.com/office/drawing/2014/main" val="2218163548"/>
+                  </a:ext>
+                </a:extLst>
+              </a:tr>
+              <a:tr h="1723792">
+                <a:tc gridSpan="5" vMerge="1">
+                  <a:txBody>
+                    <a:bodyPr/>
+                    <a:lstStyle/>
+                    <a:p>
+                      <a:pPr latinLnBrk="1"/>
+                      <a:endParaRPr lang="ko-KR" altLang="en-US"/>
+                    </a:p>
+                  </a:txBody>
+                  <a:tcPr/>
+                </a:tc>
+                <a:tc hMerge="1" vMerge="1">
+                  <a:txBody>
+                    <a:bodyPr/>
+                    <a:lstStyle/>
+                    <a:p>
+                      <a:pPr latinLnBrk="1"/>
+                      <a:endParaRPr lang="ko-KR" altLang="en-US"/>
+                    </a:p>
+                  </a:txBody>
+                  <a:tcPr/>
+                </a:tc>
+                <a:tc hMerge="1" vMerge="1">
+                  <a:txBody>
+                    <a:bodyPr/>
+                    <a:lstStyle/>
+                    <a:p>
+                      <a:pPr latinLnBrk="1"/>
+                      <a:endParaRPr lang="ko-KR" altLang="en-US"/>
+                    </a:p>
+                  </a:txBody>
+                  <a:tcPr/>
+                </a:tc>
+                <a:tc hMerge="1" vMerge="1">
+                  <a:txBody>
+                    <a:bodyPr/>
+                    <a:lstStyle/>
+                    <a:p>
+                      <a:pPr latinLnBrk="1"/>
+                      <a:endParaRPr lang="ko-KR" altLang="en-US"/>
+                    </a:p>
+                  </a:txBody>
+                  <a:tcPr/>
+                </a:tc>
+                <a:tc hMerge="1" vMerge="1">
+                  <a:txBody>
+                    <a:bodyPr/>
+                    <a:lstStyle/>
+                    <a:p>
+                      <a:pPr latinLnBrk="1"/>
+                      <a:endParaRPr lang="ko-KR" altLang="en-US" dirty="0"/>
+                    </a:p>
+                  </a:txBody>
+                  <a:tcPr/>
+                </a:tc>
+                <a:tc>
+                  <a:txBody>
+                    <a:bodyPr/>
+                    <a:lstStyle/>
+                    <a:p>
+                      <a:pPr latinLnBrk="1"/>
+                      <a:endParaRPr lang="ko-KR" altLang="en-US" sz="1400" dirty="0"/>
+                    </a:p>
+                  </a:txBody>
+                  <a:tcPr/>
+                </a:tc>
+                <a:extLst>
+                  <a:ext uri="{0D108BD9-81ED-4DB2-BD59-A6C34878D82A}">
+                    <a16:rowId xmlns:a16="http://schemas.microsoft.com/office/drawing/2014/main" val="3126712462"/>
+                  </a:ext>
+                </a:extLst>
+              </a:tr>
+            </a:tbl>
+          </a:graphicData>
+        </a:graphic>
+      </p:graphicFrame>
+      <p:sp>
+        <p:nvSpPr>
+          <p:cNvPr id="5" name="직사각형 4"/>
+          <p:cNvSpPr/>
+          <p:nvPr/>
+        </p:nvSpPr>
+        <p:spPr>
+          <a:xfrm>
+            <a:off x="731520" y="1000461"/>
+            <a:ext cx="8143539" cy="5292763"/>
+          </a:xfrm>
+          <a:prstGeom prst="rect">
+            <a:avLst/>
+          </a:prstGeom>
+          <a:noFill/>
+          <a:ln>
+            <a:solidFill>
+              <a:schemeClr val="tx1"/>
+            </a:solidFill>
+          </a:ln>
+        </p:spPr>
+        <p:style>
+          <a:lnRef idx="2">
+            <a:schemeClr val="accent1">
+              <a:shade val="50000"/>
+            </a:schemeClr>
+          </a:lnRef>
+          <a:fillRef idx="1">
+            <a:schemeClr val="accent1"/>
+          </a:fillRef>
+          <a:effectRef idx="0">
+            <a:schemeClr val="accent1"/>
+          </a:effectRef>
+          <a:fontRef idx="minor">
+            <a:schemeClr val="lt1"/>
+          </a:fontRef>
+        </p:style>
+        <p:txBody>
+          <a:bodyPr rtlCol="0" anchor="ctr"/>
+          <a:lstStyle/>
+          <a:p>
+            <a:pPr algn="ctr"/>
+            <a:endParaRPr lang="ko-KR" altLang="en-US"/>
+          </a:p>
+        </p:txBody>
+      </p:sp>
+      <p:grpSp>
+        <p:nvGrpSpPr>
+          <p:cNvPr id="10" name="그룹 9"/>
+          <p:cNvGrpSpPr/>
+          <p:nvPr/>
+        </p:nvGrpSpPr>
+        <p:grpSpPr>
+          <a:xfrm>
+            <a:off x="3221915" y="1367667"/>
+            <a:ext cx="3162748" cy="4838050"/>
+            <a:chOff x="3377902" y="1218506"/>
+            <a:chExt cx="3162748" cy="4838050"/>
+          </a:xfrm>
+        </p:grpSpPr>
+        <p:sp>
+          <p:nvSpPr>
+            <p:cNvPr id="2" name="TextBox 1"/>
+            <p:cNvSpPr txBox="1"/>
+            <p:nvPr/>
+          </p:nvSpPr>
+          <p:spPr>
+            <a:xfrm>
+              <a:off x="3770556" y="1546413"/>
+              <a:ext cx="2377440" cy="369332"/>
+            </a:xfrm>
+            <a:prstGeom prst="rect">
+              <a:avLst/>
+            </a:prstGeom>
+            <a:noFill/>
+          </p:spPr>
+          <p:txBody>
+            <a:bodyPr wrap="square" rtlCol="0">
+              <a:spAutoFit/>
+            </a:bodyPr>
+            <a:lstStyle/>
+            <a:p>
+              <a:pPr algn="ctr"/>
+              <a:r>
+                <a:rPr lang="ko-KR" altLang="en-US" b="1" dirty="0" smtClean="0"/>
+                <a:t>회원가입</a:t>
+              </a:r>
+              <a:endParaRPr lang="ko-KR" altLang="en-US" b="1" dirty="0"/>
+            </a:p>
+          </p:txBody>
+        </p:sp>
+        <p:sp>
+          <p:nvSpPr>
+            <p:cNvPr id="6" name="모서리가 둥근 직사각형 5"/>
+            <p:cNvSpPr/>
+            <p:nvPr/>
+          </p:nvSpPr>
+          <p:spPr>
+            <a:xfrm>
+              <a:off x="3770556" y="2398344"/>
+              <a:ext cx="1307051" cy="365760"/>
+            </a:xfrm>
+            <a:prstGeom prst="roundRect">
+              <a:avLst/>
+            </a:prstGeom>
+            <a:noFill/>
+          </p:spPr>
+          <p:style>
+            <a:lnRef idx="2">
+              <a:schemeClr val="accent1">
+                <a:shade val="50000"/>
+              </a:schemeClr>
+            </a:lnRef>
+            <a:fillRef idx="1">
+              <a:schemeClr val="accent1"/>
+            </a:fillRef>
+            <a:effectRef idx="0">
+              <a:schemeClr val="accent1"/>
+            </a:effectRef>
+            <a:fontRef idx="minor">
+              <a:schemeClr val="lt1"/>
+            </a:fontRef>
+          </p:style>
+          <p:txBody>
+            <a:bodyPr rtlCol="0" anchor="ctr"/>
+            <a:lstStyle/>
+            <a:p>
+              <a:pPr algn="ctr"/>
+              <a:endParaRPr lang="ko-KR" altLang="en-US" dirty="0"/>
+            </a:p>
+          </p:txBody>
+        </p:sp>
+        <p:sp>
+          <p:nvSpPr>
+            <p:cNvPr id="15" name="모서리가 둥근 직사각형 14"/>
+            <p:cNvSpPr/>
+            <p:nvPr/>
+          </p:nvSpPr>
+          <p:spPr>
+            <a:xfrm>
+              <a:off x="3770556" y="3111054"/>
+              <a:ext cx="2377440" cy="365760"/>
+            </a:xfrm>
+            <a:prstGeom prst="roundRect">
+              <a:avLst/>
+            </a:prstGeom>
+            <a:noFill/>
+          </p:spPr>
+          <p:style>
+            <a:lnRef idx="2">
+              <a:schemeClr val="accent1">
+                <a:shade val="50000"/>
+              </a:schemeClr>
+            </a:lnRef>
+            <a:fillRef idx="1">
+              <a:schemeClr val="accent1"/>
+            </a:fillRef>
+            <a:effectRef idx="0">
+              <a:schemeClr val="accent1"/>
+            </a:effectRef>
+            <a:fontRef idx="minor">
+              <a:schemeClr val="lt1"/>
+            </a:fontRef>
+          </p:style>
+          <p:txBody>
+            <a:bodyPr rtlCol="0" anchor="ctr"/>
+            <a:lstStyle/>
+            <a:p>
+              <a:pPr algn="ctr"/>
+              <a:endParaRPr lang="ko-KR" altLang="en-US" dirty="0"/>
+            </a:p>
+          </p:txBody>
+        </p:sp>
+        <p:sp>
+          <p:nvSpPr>
+            <p:cNvPr id="25" name="TextBox 24"/>
+            <p:cNvSpPr txBox="1"/>
+            <p:nvPr/>
+          </p:nvSpPr>
+          <p:spPr>
+            <a:xfrm>
+              <a:off x="3770556" y="2153841"/>
+              <a:ext cx="973567" cy="276999"/>
+            </a:xfrm>
+            <a:prstGeom prst="rect">
+              <a:avLst/>
+            </a:prstGeom>
+            <a:noFill/>
+          </p:spPr>
+          <p:txBody>
+            <a:bodyPr wrap="square" rtlCol="0">
+              <a:spAutoFit/>
+            </a:bodyPr>
+            <a:lstStyle/>
+            <a:p>
+              <a:r>
+                <a:rPr lang="ko-KR" altLang="en-US" sz="1200" b="1" dirty="0" smtClean="0"/>
+                <a:t>아이디</a:t>
+              </a:r>
+              <a:endParaRPr lang="ko-KR" altLang="en-US" sz="1200" b="1" dirty="0"/>
+            </a:p>
+          </p:txBody>
+        </p:sp>
+        <p:sp>
+          <p:nvSpPr>
+            <p:cNvPr id="26" name="TextBox 25"/>
+            <p:cNvSpPr txBox="1"/>
+            <p:nvPr/>
+          </p:nvSpPr>
+          <p:spPr>
+            <a:xfrm>
+              <a:off x="3770556" y="2866551"/>
+              <a:ext cx="973567" cy="276999"/>
+            </a:xfrm>
+            <a:prstGeom prst="rect">
+              <a:avLst/>
+            </a:prstGeom>
+            <a:noFill/>
+          </p:spPr>
+          <p:txBody>
+            <a:bodyPr wrap="square" rtlCol="0">
+              <a:spAutoFit/>
+            </a:bodyPr>
+            <a:lstStyle/>
+            <a:p>
+              <a:r>
+                <a:rPr lang="ko-KR" altLang="en-US" sz="1200" b="1" dirty="0" smtClean="0"/>
+                <a:t>비밀번호</a:t>
+              </a:r>
+              <a:endParaRPr lang="ko-KR" altLang="en-US" sz="1200" b="1" dirty="0"/>
+            </a:p>
+          </p:txBody>
+        </p:sp>
+        <p:sp>
+          <p:nvSpPr>
+            <p:cNvPr id="9" name="모서리가 둥근 직사각형 8"/>
+            <p:cNvSpPr/>
+            <p:nvPr/>
+          </p:nvSpPr>
+          <p:spPr>
+            <a:xfrm>
+              <a:off x="3377902" y="1218506"/>
+              <a:ext cx="3162748" cy="4838050"/>
+            </a:xfrm>
+            <a:prstGeom prst="roundRect">
+              <a:avLst>
+                <a:gd name="adj" fmla="val 4762"/>
+              </a:avLst>
+            </a:prstGeom>
+            <a:noFill/>
+            <a:ln w="28575">
+              <a:solidFill>
+                <a:schemeClr val="accent5">
+                  <a:lumMod val="50000"/>
+                </a:schemeClr>
+              </a:solidFill>
+            </a:ln>
+          </p:spPr>
+          <p:style>
+            <a:lnRef idx="2">
+              <a:schemeClr val="accent1">
+                <a:shade val="50000"/>
+              </a:schemeClr>
+            </a:lnRef>
+            <a:fillRef idx="1">
+              <a:schemeClr val="accent1"/>
+            </a:fillRef>
+            <a:effectRef idx="0">
+              <a:schemeClr val="accent1"/>
+            </a:effectRef>
+            <a:fontRef idx="minor">
+              <a:schemeClr val="lt1"/>
+            </a:fontRef>
+          </p:style>
+          <p:txBody>
+            <a:bodyPr rtlCol="0" anchor="ctr"/>
+            <a:lstStyle/>
+            <a:p>
+              <a:pPr algn="ctr"/>
+              <a:endParaRPr lang="ko-KR" altLang="en-US"/>
+            </a:p>
+          </p:txBody>
+        </p:sp>
+        <p:sp>
+          <p:nvSpPr>
+            <p:cNvPr id="35" name="모서리가 둥근 직사각형 34"/>
+            <p:cNvSpPr/>
+            <p:nvPr/>
+          </p:nvSpPr>
+          <p:spPr>
+            <a:xfrm>
+              <a:off x="3770556" y="5181242"/>
+              <a:ext cx="2377440" cy="365760"/>
+            </a:xfrm>
+            <a:prstGeom prst="roundRect">
+              <a:avLst/>
+            </a:prstGeom>
+            <a:solidFill>
+              <a:schemeClr val="accent5">
+                <a:lumMod val="75000"/>
+              </a:schemeClr>
+            </a:solidFill>
+            <a:ln>
+              <a:noFill/>
+            </a:ln>
+          </p:spPr>
+          <p:style>
+            <a:lnRef idx="2">
+              <a:schemeClr val="accent1">
+                <a:shade val="50000"/>
+              </a:schemeClr>
+            </a:lnRef>
+            <a:fillRef idx="1">
+              <a:schemeClr val="accent1"/>
+            </a:fillRef>
+            <a:effectRef idx="0">
+              <a:schemeClr val="accent1"/>
+            </a:effectRef>
+            <a:fontRef idx="minor">
+              <a:schemeClr val="lt1"/>
+            </a:fontRef>
+          </p:style>
+          <p:txBody>
+            <a:bodyPr rtlCol="0" anchor="ctr"/>
+            <a:lstStyle/>
+            <a:p>
+              <a:pPr algn="ctr"/>
+              <a:r>
+                <a:rPr lang="ko-KR" altLang="en-US" sz="1400" b="1" dirty="0" smtClean="0"/>
+                <a:t>회원가입</a:t>
+              </a:r>
+              <a:endParaRPr lang="ko-KR" altLang="en-US" sz="1400" b="1" dirty="0"/>
+            </a:p>
+          </p:txBody>
+        </p:sp>
+        <p:sp>
+          <p:nvSpPr>
+            <p:cNvPr id="14" name="모서리가 둥근 직사각형 13"/>
+            <p:cNvSpPr/>
+            <p:nvPr/>
+          </p:nvSpPr>
+          <p:spPr>
+            <a:xfrm>
+              <a:off x="3770556" y="3823764"/>
+              <a:ext cx="2377440" cy="365760"/>
+            </a:xfrm>
+            <a:prstGeom prst="roundRect">
+              <a:avLst/>
+            </a:prstGeom>
+            <a:noFill/>
+          </p:spPr>
+          <p:style>
+            <a:lnRef idx="2">
+              <a:schemeClr val="accent1">
+                <a:shade val="50000"/>
+              </a:schemeClr>
+            </a:lnRef>
+            <a:fillRef idx="1">
+              <a:schemeClr val="accent1"/>
+            </a:fillRef>
+            <a:effectRef idx="0">
+              <a:schemeClr val="accent1"/>
+            </a:effectRef>
+            <a:fontRef idx="minor">
+              <a:schemeClr val="lt1"/>
+            </a:fontRef>
+          </p:style>
+          <p:txBody>
+            <a:bodyPr rtlCol="0" anchor="ctr"/>
+            <a:lstStyle/>
+            <a:p>
+              <a:pPr algn="ctr"/>
+              <a:endParaRPr lang="ko-KR" altLang="en-US" dirty="0"/>
+            </a:p>
+          </p:txBody>
+        </p:sp>
+        <p:sp>
+          <p:nvSpPr>
+            <p:cNvPr id="16" name="TextBox 15"/>
+            <p:cNvSpPr txBox="1"/>
+            <p:nvPr/>
+          </p:nvSpPr>
+          <p:spPr>
+            <a:xfrm>
+              <a:off x="3770556" y="3579261"/>
+              <a:ext cx="973567" cy="276999"/>
+            </a:xfrm>
+            <a:prstGeom prst="rect">
+              <a:avLst/>
+            </a:prstGeom>
+            <a:noFill/>
+          </p:spPr>
+          <p:txBody>
+            <a:bodyPr wrap="square" rtlCol="0">
+              <a:spAutoFit/>
+            </a:bodyPr>
+            <a:lstStyle/>
+            <a:p>
+              <a:r>
+                <a:rPr lang="ko-KR" altLang="en-US" sz="1200" b="1" dirty="0" smtClean="0"/>
+                <a:t>닉네임</a:t>
+              </a:r>
+              <a:endParaRPr lang="ko-KR" altLang="en-US" sz="1200" b="1" dirty="0"/>
+            </a:p>
+          </p:txBody>
+        </p:sp>
+        <p:sp>
+          <p:nvSpPr>
+            <p:cNvPr id="19" name="모서리가 둥근 직사각형 18"/>
+            <p:cNvSpPr/>
+            <p:nvPr/>
+          </p:nvSpPr>
+          <p:spPr>
+            <a:xfrm>
+              <a:off x="3770556" y="4502503"/>
+              <a:ext cx="2377440" cy="365760"/>
+            </a:xfrm>
+            <a:prstGeom prst="roundRect">
+              <a:avLst/>
+            </a:prstGeom>
+            <a:noFill/>
+          </p:spPr>
+          <p:style>
+            <a:lnRef idx="2">
+              <a:schemeClr val="accent1">
+                <a:shade val="50000"/>
+              </a:schemeClr>
+            </a:lnRef>
+            <a:fillRef idx="1">
+              <a:schemeClr val="accent1"/>
+            </a:fillRef>
+            <a:effectRef idx="0">
+              <a:schemeClr val="accent1"/>
+            </a:effectRef>
+            <a:fontRef idx="minor">
+              <a:schemeClr val="lt1"/>
+            </a:fontRef>
+          </p:style>
+          <p:txBody>
+            <a:bodyPr rtlCol="0" anchor="ctr"/>
+            <a:lstStyle/>
+            <a:p>
+              <a:pPr algn="ctr"/>
+              <a:endParaRPr lang="ko-KR" altLang="en-US" dirty="0"/>
+            </a:p>
+          </p:txBody>
+        </p:sp>
+        <p:sp>
+          <p:nvSpPr>
+            <p:cNvPr id="20" name="TextBox 19"/>
+            <p:cNvSpPr txBox="1"/>
+            <p:nvPr/>
+          </p:nvSpPr>
+          <p:spPr>
+            <a:xfrm>
+              <a:off x="3770556" y="4258000"/>
+              <a:ext cx="973567" cy="276999"/>
+            </a:xfrm>
+            <a:prstGeom prst="rect">
+              <a:avLst/>
+            </a:prstGeom>
+            <a:noFill/>
+          </p:spPr>
+          <p:txBody>
+            <a:bodyPr wrap="square" rtlCol="0">
+              <a:spAutoFit/>
+            </a:bodyPr>
+            <a:lstStyle/>
+            <a:p>
+              <a:r>
+                <a:rPr lang="ko-KR" altLang="en-US" sz="1200" b="1" dirty="0" smtClean="0"/>
+                <a:t>이메일</a:t>
+              </a:r>
+              <a:endParaRPr lang="ko-KR" altLang="en-US" sz="1200" b="1" dirty="0"/>
+            </a:p>
+          </p:txBody>
+        </p:sp>
+        <p:sp>
+          <p:nvSpPr>
+            <p:cNvPr id="8" name="모서리가 둥근 직사각형 7"/>
+            <p:cNvSpPr/>
+            <p:nvPr/>
+          </p:nvSpPr>
+          <p:spPr>
+            <a:xfrm>
+              <a:off x="5238974" y="2430840"/>
+              <a:ext cx="817581" cy="333264"/>
+            </a:xfrm>
+            <a:prstGeom prst="roundRect">
+              <a:avLst>
+                <a:gd name="adj" fmla="val 17647"/>
+              </a:avLst>
+            </a:prstGeom>
+            <a:solidFill>
+              <a:schemeClr val="accent5">
+                <a:lumMod val="75000"/>
+              </a:schemeClr>
+            </a:solidFill>
+            <a:ln>
+              <a:noFill/>
+            </a:ln>
+          </p:spPr>
+          <p:style>
+            <a:lnRef idx="2">
+              <a:schemeClr val="accent1">
+                <a:shade val="50000"/>
+              </a:schemeClr>
+            </a:lnRef>
+            <a:fillRef idx="1">
+              <a:schemeClr val="accent1"/>
+            </a:fillRef>
+            <a:effectRef idx="0">
+              <a:schemeClr val="accent1"/>
+            </a:effectRef>
+            <a:fontRef idx="minor">
+              <a:schemeClr val="lt1"/>
+            </a:fontRef>
+          </p:style>
+          <p:txBody>
+            <a:bodyPr rtlCol="0" anchor="ctr"/>
+            <a:lstStyle/>
+            <a:p>
+              <a:pPr algn="ctr"/>
+              <a:r>
+                <a:rPr lang="ko-KR" altLang="en-US" sz="1000" b="1" dirty="0" smtClean="0"/>
+                <a:t>중복 체크</a:t>
+              </a:r>
+              <a:endParaRPr lang="ko-KR" altLang="en-US" sz="1000" b="1" dirty="0"/>
+            </a:p>
+          </p:txBody>
+        </p:sp>
+      </p:grpSp>
+      <p:grpSp>
+        <p:nvGrpSpPr>
+          <p:cNvPr id="38" name="그룹 37"/>
+          <p:cNvGrpSpPr/>
+          <p:nvPr/>
+        </p:nvGrpSpPr>
+        <p:grpSpPr>
+          <a:xfrm>
+            <a:off x="3381711" y="1025652"/>
+            <a:ext cx="2843155" cy="307777"/>
+            <a:chOff x="3428104" y="1092322"/>
+            <a:chExt cx="2843155" cy="307777"/>
+          </a:xfrm>
+        </p:grpSpPr>
+        <p:sp>
+          <p:nvSpPr>
+            <p:cNvPr id="39" name="모서리가 둥근 직사각형 38"/>
+            <p:cNvSpPr/>
+            <p:nvPr/>
+          </p:nvSpPr>
+          <p:spPr>
+            <a:xfrm>
+              <a:off x="4206240" y="1151068"/>
+              <a:ext cx="1140311" cy="193638"/>
+            </a:xfrm>
+            <a:prstGeom prst="roundRect">
+              <a:avLst>
+                <a:gd name="adj" fmla="val 50000"/>
+              </a:avLst>
+            </a:prstGeom>
+            <a:solidFill>
+              <a:schemeClr val="accent5">
+                <a:lumMod val="20000"/>
+                <a:lumOff val="80000"/>
+              </a:schemeClr>
+            </a:solidFill>
+            <a:ln>
+              <a:noFill/>
+            </a:ln>
+          </p:spPr>
+          <p:style>
+            <a:lnRef idx="2">
+              <a:schemeClr val="accent1">
+                <a:shade val="50000"/>
+              </a:schemeClr>
+            </a:lnRef>
+            <a:fillRef idx="1">
+              <a:schemeClr val="accent1"/>
+            </a:fillRef>
+            <a:effectRef idx="0">
+              <a:schemeClr val="accent1"/>
+            </a:effectRef>
+            <a:fontRef idx="minor">
+              <a:schemeClr val="lt1"/>
+            </a:fontRef>
+          </p:style>
+          <p:txBody>
+            <a:bodyPr rtlCol="0" anchor="ctr"/>
+            <a:lstStyle/>
+            <a:p>
+              <a:pPr algn="ctr"/>
+              <a:endParaRPr lang="ko-KR" altLang="en-US"/>
+            </a:p>
+          </p:txBody>
+        </p:sp>
+        <p:sp>
+          <p:nvSpPr>
+            <p:cNvPr id="40" name="타원 39"/>
+            <p:cNvSpPr/>
+            <p:nvPr/>
+          </p:nvSpPr>
+          <p:spPr>
+            <a:xfrm>
+              <a:off x="5059456" y="1111292"/>
+              <a:ext cx="289560" cy="269838"/>
+            </a:xfrm>
+            <a:prstGeom prst="ellipse">
+              <a:avLst/>
+            </a:prstGeom>
+            <a:solidFill>
+              <a:schemeClr val="accent5">
+                <a:lumMod val="75000"/>
+              </a:schemeClr>
+            </a:solidFill>
+            <a:ln>
+              <a:noFill/>
+            </a:ln>
+          </p:spPr>
+          <p:style>
+            <a:lnRef idx="2">
+              <a:schemeClr val="accent1">
+                <a:shade val="50000"/>
+              </a:schemeClr>
+            </a:lnRef>
+            <a:fillRef idx="1">
+              <a:schemeClr val="accent1"/>
+            </a:fillRef>
+            <a:effectRef idx="0">
+              <a:schemeClr val="accent1"/>
+            </a:effectRef>
+            <a:fontRef idx="minor">
+              <a:schemeClr val="lt1"/>
+            </a:fontRef>
+          </p:style>
+          <p:txBody>
+            <a:bodyPr rtlCol="0" anchor="ctr"/>
+            <a:lstStyle/>
+            <a:p>
+              <a:pPr algn="ctr"/>
+              <a:endParaRPr lang="ko-KR" altLang="en-US"/>
+            </a:p>
+          </p:txBody>
+        </p:sp>
+        <p:sp>
+          <p:nvSpPr>
+            <p:cNvPr id="41" name="TextBox 40"/>
+            <p:cNvSpPr txBox="1"/>
+            <p:nvPr/>
+          </p:nvSpPr>
+          <p:spPr>
+            <a:xfrm>
+              <a:off x="3428104" y="1092322"/>
+              <a:ext cx="817132" cy="307777"/>
+            </a:xfrm>
+            <a:prstGeom prst="rect">
+              <a:avLst/>
+            </a:prstGeom>
+            <a:noFill/>
+          </p:spPr>
+          <p:txBody>
+            <a:bodyPr wrap="square" rtlCol="0">
+              <a:spAutoFit/>
+            </a:bodyPr>
+            <a:lstStyle/>
+            <a:p>
+              <a:pPr algn="ctr"/>
+              <a:r>
+                <a:rPr lang="ko-KR" altLang="en-US" sz="1400" dirty="0" smtClean="0"/>
+                <a:t>로그인</a:t>
+              </a:r>
+              <a:endParaRPr lang="ko-KR" altLang="en-US" sz="1400" dirty="0"/>
+            </a:p>
+          </p:txBody>
+        </p:sp>
+        <p:sp>
+          <p:nvSpPr>
+            <p:cNvPr id="42" name="TextBox 41"/>
+            <p:cNvSpPr txBox="1"/>
+            <p:nvPr/>
+          </p:nvSpPr>
+          <p:spPr>
+            <a:xfrm>
+              <a:off x="5351480" y="1092322"/>
+              <a:ext cx="919779" cy="307777"/>
+            </a:xfrm>
+            <a:prstGeom prst="rect">
+              <a:avLst/>
+            </a:prstGeom>
+            <a:noFill/>
+          </p:spPr>
+          <p:txBody>
+            <a:bodyPr wrap="square" rtlCol="0">
+              <a:spAutoFit/>
+            </a:bodyPr>
+            <a:lstStyle/>
+            <a:p>
+              <a:pPr algn="ctr"/>
+              <a:r>
+                <a:rPr lang="ko-KR" altLang="en-US" sz="1400" smtClean="0"/>
+                <a:t>회원가입</a:t>
+              </a:r>
+              <a:endParaRPr lang="ko-KR" altLang="en-US" sz="1400" dirty="0"/>
+            </a:p>
+          </p:txBody>
+        </p:sp>
+      </p:grpSp>
+    </p:spTree>
+    <p:extLst>
+      <p:ext uri="{BB962C8B-B14F-4D97-AF65-F5344CB8AC3E}">
+        <p14:creationId xmlns:p14="http://schemas.microsoft.com/office/powerpoint/2010/main" val="2504020663"/>
+      </p:ext>
+    </p:extLst>
+  </p:cSld>
+  <p:clrMapOvr>
+    <a:masterClrMapping/>
+  </p:clrMapOvr>
+</p:sld>
+</file>
+
+<file path=ppt/slides/slide6.xml><?xml version="1.0" encoding="utf-8"?>
+<p:sld xmlns:a="http://schemas.openxmlformats.org/drawingml/2006/main" xmlns:r="http://schemas.openxmlformats.org/officeDocument/2006/relationships" xmlns:p="http://schemas.openxmlformats.org/presentationml/2006/main">
+  <p:cSld>
+    <p:spTree>
+      <p:nvGrpSpPr>
+        <p:cNvPr id="1" name=""/>
+        <p:cNvGrpSpPr/>
+        <p:nvPr/>
+      </p:nvGrpSpPr>
+      <p:grpSpPr>
+        <a:xfrm>
+          <a:off x="0" y="0"/>
+          <a:ext cx="0" cy="0"/>
+          <a:chOff x="0" y="0"/>
+          <a:chExt cx="0" cy="0"/>
+        </a:xfrm>
+      </p:grpSpPr>
+      <p:graphicFrame>
+        <p:nvGraphicFramePr>
+          <p:cNvPr id="4" name="표 3"/>
+          <p:cNvGraphicFramePr>
+            <a:graphicFrameLocks noGrp="1"/>
+          </p:cNvGraphicFramePr>
+          <p:nvPr>
+            <p:extLst>
+              <p:ext uri="{D42A27DB-BD31-4B8C-83A1-F6EECF244321}">
+                <p14:modId xmlns:p14="http://schemas.microsoft.com/office/powerpoint/2010/main" val="1283017286"/>
+              </p:ext>
+            </p:extLst>
+          </p:nvPr>
+        </p:nvGraphicFramePr>
+        <p:xfrm>
+          <a:off x="473333" y="118335"/>
+          <a:ext cx="11230986" cy="6529891"/>
         </p:xfrm>
         <a:graphic>
           <a:graphicData uri="http://schemas.openxmlformats.org/drawingml/2006/table">
@@ -7122,8 +8950,8 @@
                     <a:p>
                       <a:pPr latinLnBrk="1"/>
                       <a:r>
-                        <a:rPr lang="ko-KR" altLang="en-US" sz="1200" dirty="0" err="1" smtClean="0"/>
-                        <a:t>로그인화면</a:t>
+                        <a:rPr lang="ko-KR" altLang="en-US" sz="1200" dirty="0" smtClean="0"/>
+                        <a:t>로그인 화면</a:t>
                       </a:r>
                       <a:endParaRPr lang="ko-KR" altLang="en-US" sz="1200" dirty="0"/>
                     </a:p>
@@ -7581,7 +9409,7 @@
                   </a:ext>
                 </a:extLst>
               </a:tr>
-              <a:tr h="1733715">
+              <a:tr h="1778979">
                 <a:tc gridSpan="5" vMerge="1">
                   <a:txBody>
                     <a:bodyPr/>
